--- a/cybersecurity-iacs/slides/delivery/04__OT-Cyber-Overview.pptx
+++ b/cybersecurity-iacs/slides/delivery/04__OT-Cyber-Overview.pptx
@@ -2379,12 +2379,20 @@
         </p:nvSpPr>
         <p:spPr/>
         <p:txBody>
-          <a:bodyPr/>
+          <a:bodyPr wrap="square">
+            <a:noAutofit/>
+          </a:bodyPr>
           <a:lstStyle/>
           <a:p>
             <a:r>
+              <a:rPr sz="4200" b="1" i="0">
+                <a:latin typeface="Times New Roman"/>
+              </a:rPr>
               <a:t>OT Cybersecurity Overview</a:t>
             </a:r>
+            <a:endParaRPr sz="4200" b="1" i="0">
+              <a:latin typeface="Times New Roman"/>
+            </a:endParaRPr>
           </a:p>
         </p:txBody>
       </p:sp>

--- a/cybersecurity-iacs/slides/delivery/04__OT-Cyber-Overview.pptx
+++ b/cybersecurity-iacs/slides/delivery/04__OT-Cyber-Overview.pptx
@@ -5,14 +5,14 @@
     <p:sldMasterId id="2147483651" r:id="rId1"/>
   </p:sldMasterIdLst>
   <p:notesMasterIdLst>
-    <p:notesMasterId r:id="rId2"/>
+    <p:notesMasterId r:id="rId4"/>
   </p:notesMasterIdLst>
   <p:handoutMasterIdLst>
-    <p:handoutMasterId r:id="rId3"/>
+    <p:handoutMasterId r:id="rId5"/>
   </p:handoutMasterIdLst>
   <p:sldIdLst>
-    <p:sldId id="256" r:id="rId9"/>
-    <p:sldId id="257" r:id="rId10"/>
+    <p:sldId id="256" r:id="rId2"/>
+    <p:sldId id="257" r:id="rId3"/>
   </p:sldIdLst>
   <p:sldSz cx="9372600" cy="8297863"/>
   <p:notesSz cx="7315200" cy="9601200"/>
@@ -180,9 +180,7 @@
   <p:cmAuthor id="2" name="Mark Kerzner" initials="MK" lastIdx="6" clrIdx="1"/>
   <p:cmAuthor id="3" name="Mary Beth Conlee" initials="MBC" lastIdx="7" clrIdx="2"/>
   <p:cmAuthor id="4" name="Michelle" initials="M" lastIdx="5" clrIdx="3"/>
-  <p:cmAuthor id="5" name="Tricia Murphy" initials="TM" lastIdx="4" clrIdx="4">
-    <p:extLst/>
-  </p:cmAuthor>
+  <p:cmAuthor id="5" name="Tricia Murphy" initials="TM" lastIdx="4" clrIdx="4"/>
 </p:cmAuthorLst>
 </file>
 
@@ -752,7 +750,7 @@
 </file>
 
 <file path=ppt/notesSlides/notesSlide1.xml><?xml version="1.0" encoding="utf-8"?>
-<p:notes xmlns:a="http://schemas.openxmlformats.org/drawingml/2006/main" xmlns:p="http://schemas.openxmlformats.org/presentationml/2006/main" xmlns:r="http://schemas.openxmlformats.org/officeDocument/2006/relationships">
+<p:notes xmlns:a="http://schemas.openxmlformats.org/drawingml/2006/main" xmlns:r="http://schemas.openxmlformats.org/officeDocument/2006/relationships" xmlns:p="http://schemas.openxmlformats.org/presentationml/2006/main">
   <p:cSld>
     <p:spTree>
       <p:nvGrpSpPr>
@@ -772,7 +770,7 @@
         <p:nvSpPr>
           <p:cNvPr id="2" name="Slide Image Placeholder 1"/>
           <p:cNvSpPr>
-            <a:spLocks noGrp="1"/>
+            <a:spLocks noGrp="1" noRot="1" noChangeAspect="1"/>
           </p:cNvSpPr>
           <p:nvPr>
             <p:ph type="sldImg" idx="2"/>
@@ -787,7 +785,7 @@
             <a:spLocks noGrp="1"/>
           </p:cNvSpPr>
           <p:nvPr>
-            <p:ph type="sldNum" idx="5" sz="quarter"/>
+            <p:ph type="sldNum" sz="quarter" idx="5"/>
           </p:nvPr>
         </p:nvSpPr>
         <p:spPr/>
@@ -799,7 +797,7 @@
             <a:spLocks noGrp="1"/>
           </p:cNvSpPr>
           <p:nvPr>
-            <p:ph type="body" idx="3" sz="quarter"/>
+            <p:ph type="body" sz="quarter" idx="3"/>
           </p:nvPr>
         </p:nvSpPr>
         <p:spPr/>
@@ -808,13 +806,7 @@
           <a:lstStyle/>
           <a:p>
             <a:r>
-              <a:t> The plan described in the following slides follows the direction suggested</a:t>
-            </a:r>
-            <a:r>
-              <a:t> in the "Comprehensive Guide to Operational Technology Cybersecurity" eBook</a:t>
-            </a:r>
-            <a:r>
-              <a:t> by MissionSecure company</a:t>
+              <a:t> The plan described in the following slides follows the direction suggested in the "Comprehensive Guide to Operational Technology Cybersecurity" eBook by MissionSecure company</a:t>
             </a:r>
           </a:p>
         </p:txBody>
@@ -2341,7 +2333,7 @@
 </file>
 
 <file path=ppt/slides/slide1.xml><?xml version="1.0" encoding="utf-8"?>
-<p:sld xmlns:a="http://schemas.openxmlformats.org/drawingml/2006/main" xmlns:p="http://schemas.openxmlformats.org/presentationml/2006/main" xmlns:r="http://schemas.openxmlformats.org/officeDocument/2006/relationships">
+<p:sld xmlns:a="http://schemas.openxmlformats.org/drawingml/2006/main" xmlns:r="http://schemas.openxmlformats.org/officeDocument/2006/relationships" xmlns:p="http://schemas.openxmlformats.org/presentationml/2006/main">
   <p:cSld>
     <p:spTree>
       <p:nvGrpSpPr>
@@ -2349,7 +2341,14 @@
         <p:cNvGrpSpPr/>
         <p:nvPr/>
       </p:nvGrpSpPr>
-      <p:grpSpPr/>
+      <p:grpSpPr>
+        <a:xfrm>
+          <a:off x="0" y="0"/>
+          <a:ext cx="0" cy="0"/>
+          <a:chOff x="0" y="0"/>
+          <a:chExt cx="0" cy="0"/>
+        </a:xfrm>
+      </p:grpSpPr>
       <p:sp>
         <p:nvSpPr>
           <p:cNvPr id="2" name="Subtitle 1"/>
@@ -2357,14 +2356,16 @@
             <a:spLocks noGrp="1"/>
           </p:cNvSpPr>
           <p:nvPr>
-            <p:ph type="subTitle" idx="1" sz="quarter"/>
+            <p:ph type="subTitle" sz="quarter" idx="1"/>
           </p:nvPr>
         </p:nvSpPr>
         <p:spPr/>
         <p:txBody>
           <a:bodyPr/>
           <a:lstStyle/>
-          <a:p/>
+          <a:p>
+            <a:endParaRPr/>
+          </a:p>
         </p:txBody>
       </p:sp>
       <p:sp>
@@ -2390,9 +2391,6 @@
               </a:rPr>
               <a:t>OT Cybersecurity Overview</a:t>
             </a:r>
-            <a:endParaRPr sz="4200" b="1" i="0">
-              <a:latin typeface="Times New Roman"/>
-            </a:endParaRPr>
           </a:p>
         </p:txBody>
       </p:sp>
@@ -2438,7 +2436,7 @@
 </file>
 
 <file path=ppt/slides/slide2.xml><?xml version="1.0" encoding="utf-8"?>
-<p:sld xmlns:a="http://schemas.openxmlformats.org/drawingml/2006/main" xmlns:p="http://schemas.openxmlformats.org/presentationml/2006/main" xmlns:r="http://schemas.openxmlformats.org/officeDocument/2006/relationships">
+<p:sld xmlns:a="http://schemas.openxmlformats.org/drawingml/2006/main" xmlns:r="http://schemas.openxmlformats.org/officeDocument/2006/relationships" xmlns:p="http://schemas.openxmlformats.org/presentationml/2006/main">
   <p:cSld>
     <p:spTree>
       <p:nvGrpSpPr>
@@ -2446,7 +2444,14 @@
         <p:cNvGrpSpPr/>
         <p:nvPr/>
       </p:nvGrpSpPr>
-      <p:grpSpPr/>
+      <p:grpSpPr>
+        <a:xfrm>
+          <a:off x="0" y="0"/>
+          <a:ext cx="0" cy="0"/>
+          <a:chOff x="0" y="0"/>
+          <a:chExt cx="0" cy="0"/>
+        </a:xfrm>
+      </p:grpSpPr>
       <p:sp>
         <p:nvSpPr>
           <p:cNvPr id="2" name="Title 1"/>
@@ -2516,13 +2521,27 @@
               <a:t> for protecting OT</a:t>
             </a:r>
           </a:p>
-          <a:p/>
-          <a:p/>
-          <a:p/>
-          <a:p/>
-          <a:p/>
-          <a:p/>
-          <a:p/>
+          <a:p>
+            <a:endParaRPr/>
+          </a:p>
+          <a:p>
+            <a:endParaRPr/>
+          </a:p>
+          <a:p>
+            <a:endParaRPr/>
+          </a:p>
+          <a:p>
+            <a:endParaRPr/>
+          </a:p>
+          <a:p>
+            <a:endParaRPr/>
+          </a:p>
+          <a:p>
+            <a:endParaRPr/>
+          </a:p>
+          <a:p>
+            <a:endParaRPr/>
+          </a:p>
         </p:txBody>
       </p:sp>
       <p:sp>
@@ -2567,15 +2586,15 @@
           <p:nvPr/>
         </p:nvPicPr>
         <p:blipFill>
-          <a:blip r:embed="rId2"/>
+          <a:blip r:embed="rId3"/>
           <a:stretch>
             <a:fillRect/>
           </a:stretch>
         </p:blipFill>
         <p:spPr>
           <a:xfrm>
-            <a:off x="704088" y="3986783"/>
-            <a:ext cx="7507224" cy="4203492"/>
+            <a:off x="952500" y="4029909"/>
+            <a:ext cx="6725412" cy="3765735"/>
           </a:xfrm>
           <a:prstGeom prst="rect">
             <a:avLst/>

--- a/cybersecurity-iacs/slides/delivery/04__OT-Cyber-Overview.pptx
+++ b/cybersecurity-iacs/slides/delivery/04__OT-Cyber-Overview.pptx
@@ -1,20 +1,26 @@
 
 <file path=ppt/presentation.xml><?xml version="1.0" encoding="utf-8"?>
-<p:presentation xmlns:a="http://schemas.openxmlformats.org/drawingml/2006/main" xmlns:r="http://schemas.openxmlformats.org/officeDocument/2006/relationships" xmlns:p="http://schemas.openxmlformats.org/presentationml/2006/main" showSpecialPlsOnTitleSld="0" saveSubsetFonts="1" autoCompressPictures="0">
+<p:presentation xmlns:a="http://schemas.openxmlformats.org/drawingml/2006/main" xmlns:r="http://schemas.openxmlformats.org/officeDocument/2006/relationships" xmlns:p="http://schemas.openxmlformats.org/presentationml/2006/main" showSpecialPlsOnTitleSld="0" autoCompressPictures="0">
   <p:sldMasterIdLst>
-    <p:sldMasterId id="2147483651" r:id="rId1"/>
+    <p:sldMasterId id="2147483648" r:id="rId1"/>
   </p:sldMasterIdLst>
   <p:notesMasterIdLst>
-    <p:notesMasterId r:id="rId4"/>
+    <p:notesMasterId r:id="rId5"/>
   </p:notesMasterIdLst>
   <p:handoutMasterIdLst>
-    <p:handoutMasterId r:id="rId5"/>
+    <p:handoutMasterId r:id="rId12"/>
   </p:handoutMasterIdLst>
   <p:sldIdLst>
-    <p:sldId id="256" r:id="rId2"/>
-    <p:sldId id="257" r:id="rId3"/>
+    <p:sldId id="256" r:id="rId3"/>
+    <p:sldId id="257" r:id="rId4"/>
+    <p:sldId id="258" r:id="rId6"/>
+    <p:sldId id="259" r:id="rId7"/>
+    <p:sldId id="260" r:id="rId8"/>
+    <p:sldId id="261" r:id="rId9"/>
+    <p:sldId id="262" r:id="rId10"/>
+    <p:sldId id="263" r:id="rId11"/>
   </p:sldIdLst>
-  <p:sldSz cx="9372600" cy="8297863"/>
+  <p:sldSz cx="9372600" cy="8297545"/>
   <p:notesSz cx="7315200" cy="9601200"/>
   <p:defaultTextStyle>
     <a:defPPr>
@@ -32,8 +38,8 @@
           <a:schemeClr val="tx1"/>
         </a:solidFill>
         <a:latin typeface="Garamond" pitchFamily="18" charset="0"/>
-        <a:ea typeface="ＭＳ Ｐゴシック"/>
-        <a:cs typeface="ＭＳ Ｐゴシック"/>
+        <a:ea typeface="MS PGothic"/>
+        <a:cs typeface="MS PGothic"/>
       </a:defRPr>
     </a:lvl1pPr>
     <a:lvl2pPr marL="457200" algn="l" rtl="0" fontAlgn="base">
@@ -48,8 +54,8 @@
           <a:schemeClr val="tx1"/>
         </a:solidFill>
         <a:latin typeface="Garamond" pitchFamily="18" charset="0"/>
-        <a:ea typeface="ＭＳ Ｐゴシック"/>
-        <a:cs typeface="ＭＳ Ｐゴシック"/>
+        <a:ea typeface="MS PGothic"/>
+        <a:cs typeface="MS PGothic"/>
       </a:defRPr>
     </a:lvl2pPr>
     <a:lvl3pPr marL="914400" algn="l" rtl="0" fontAlgn="base">
@@ -64,8 +70,8 @@
           <a:schemeClr val="tx1"/>
         </a:solidFill>
         <a:latin typeface="Garamond" pitchFamily="18" charset="0"/>
-        <a:ea typeface="ＭＳ Ｐゴシック"/>
-        <a:cs typeface="ＭＳ Ｐゴシック"/>
+        <a:ea typeface="MS PGothic"/>
+        <a:cs typeface="MS PGothic"/>
       </a:defRPr>
     </a:lvl3pPr>
     <a:lvl4pPr marL="1371600" algn="l" rtl="0" fontAlgn="base">
@@ -80,8 +86,8 @@
           <a:schemeClr val="tx1"/>
         </a:solidFill>
         <a:latin typeface="Garamond" pitchFamily="18" charset="0"/>
-        <a:ea typeface="ＭＳ Ｐゴシック"/>
-        <a:cs typeface="ＭＳ Ｐゴシック"/>
+        <a:ea typeface="MS PGothic"/>
+        <a:cs typeface="MS PGothic"/>
       </a:defRPr>
     </a:lvl4pPr>
     <a:lvl5pPr marL="1828800" algn="l" rtl="0" fontAlgn="base">
@@ -96,8 +102,8 @@
           <a:schemeClr val="tx1"/>
         </a:solidFill>
         <a:latin typeface="Garamond" pitchFamily="18" charset="0"/>
-        <a:ea typeface="ＭＳ Ｐゴシック"/>
-        <a:cs typeface="ＭＳ Ｐゴシック"/>
+        <a:ea typeface="MS PGothic"/>
+        <a:cs typeface="MS PGothic"/>
       </a:defRPr>
     </a:lvl5pPr>
     <a:lvl6pPr marL="2286000" algn="l" defTabSz="914400" rtl="0" eaLnBrk="1" latinLnBrk="0" hangingPunct="1">
@@ -106,8 +112,8 @@
           <a:schemeClr val="tx1"/>
         </a:solidFill>
         <a:latin typeface="Garamond" pitchFamily="18" charset="0"/>
-        <a:ea typeface="ＭＳ Ｐゴシック"/>
-        <a:cs typeface="ＭＳ Ｐゴシック"/>
+        <a:ea typeface="MS PGothic"/>
+        <a:cs typeface="MS PGothic"/>
       </a:defRPr>
     </a:lvl6pPr>
     <a:lvl7pPr marL="2743200" algn="l" defTabSz="914400" rtl="0" eaLnBrk="1" latinLnBrk="0" hangingPunct="1">
@@ -116,8 +122,8 @@
           <a:schemeClr val="tx1"/>
         </a:solidFill>
         <a:latin typeface="Garamond" pitchFamily="18" charset="0"/>
-        <a:ea typeface="ＭＳ Ｐゴシック"/>
-        <a:cs typeface="ＭＳ Ｐゴシック"/>
+        <a:ea typeface="MS PGothic"/>
+        <a:cs typeface="MS PGothic"/>
       </a:defRPr>
     </a:lvl7pPr>
     <a:lvl8pPr marL="3200400" algn="l" defTabSz="914400" rtl="0" eaLnBrk="1" latinLnBrk="0" hangingPunct="1">
@@ -126,8 +132,8 @@
           <a:schemeClr val="tx1"/>
         </a:solidFill>
         <a:latin typeface="Garamond" pitchFamily="18" charset="0"/>
-        <a:ea typeface="ＭＳ Ｐゴシック"/>
-        <a:cs typeface="ＭＳ Ｐゴシック"/>
+        <a:ea typeface="MS PGothic"/>
+        <a:cs typeface="MS PGothic"/>
       </a:defRPr>
     </a:lvl8pPr>
     <a:lvl9pPr marL="3657600" algn="l" defTabSz="914400" rtl="0" eaLnBrk="1" latinLnBrk="0" hangingPunct="1">
@@ -136,41 +142,11 @@
           <a:schemeClr val="tx1"/>
         </a:solidFill>
         <a:latin typeface="Garamond" pitchFamily="18" charset="0"/>
-        <a:ea typeface="ＭＳ Ｐゴシック"/>
-        <a:cs typeface="ＭＳ Ｐゴシック"/>
+        <a:ea typeface="MS PGothic"/>
+        <a:cs typeface="MS PGothic"/>
       </a:defRPr>
     </a:lvl9pPr>
   </p:defaultTextStyle>
-  <p:extLst>
-    <p:ext uri="{EFAFB233-063F-42B5-8137-9DF3F51BA10A}">
-      <p15:sldGuideLst xmlns:p15="http://schemas.microsoft.com/office/powerpoint/2012/main">
-        <p15:guide id="1" orient="horz" pos="2614" userDrawn="1">
-          <p15:clr>
-            <a:srgbClr val="A4A3A4"/>
-          </p15:clr>
-        </p15:guide>
-        <p15:guide id="2" pos="2952" userDrawn="1">
-          <p15:clr>
-            <a:srgbClr val="A4A3A4"/>
-          </p15:clr>
-        </p15:guide>
-      </p15:sldGuideLst>
-    </p:ext>
-    <p:ext uri="{2D200454-40CA-4A62-9FC3-DE9A4176ACB9}">
-      <p15:notesGuideLst xmlns:p15="http://schemas.microsoft.com/office/powerpoint/2012/main">
-        <p15:guide id="1" orient="horz" pos="3024">
-          <p15:clr>
-            <a:srgbClr val="A4A3A4"/>
-          </p15:clr>
-        </p15:guide>
-        <p15:guide id="2" pos="2308">
-          <p15:clr>
-            <a:srgbClr val="A4A3A4"/>
-          </p15:clr>
-        </p15:guide>
-      </p15:notesGuideLst>
-    </p:ext>
-  </p:extLst>
 </p:presentation>
 </file>
 
@@ -231,20 +207,14 @@
           <a:ln w="9525">
             <a:noFill/>
             <a:miter lim="800000"/>
-            <a:headEnd/>
-            <a:tailEnd/>
           </a:ln>
         </p:spPr>
         <p:txBody>
-          <a:bodyPr vert="horz" wrap="square" lIns="96603" tIns="48303" rIns="96603" bIns="48303" numCol="1" anchor="b" anchorCtr="0" compatLnSpc="1">
-            <a:prstTxWarp prst="textNoShape">
-              <a:avLst/>
-            </a:prstTxWarp>
-          </a:bodyPr>
+          <a:bodyPr vert="horz" wrap="square" lIns="96603" tIns="48303" rIns="96603" bIns="48303" numCol="1" anchor="b" anchorCtr="0" compatLnSpc="1"/>
           <a:lstStyle>
             <a:lvl1pPr defTabSz="965200">
               <a:defRPr sz="1200">
-                <a:latin typeface="Times New Roman" pitchFamily="18" charset="0"/>
+                <a:latin typeface="Times New Roman" panose="02020603050405020304" pitchFamily="-110" charset="0"/>
               </a:defRPr>
             </a:lvl1pPr>
           </a:lstStyle>
@@ -256,6 +226,7 @@
               <a:rPr lang="en-US" dirty="0"/>
               <a:t>Copyright © 2017 Elephant Scale. All rights reserved.</a:t>
             </a:r>
+            <a:endParaRPr lang="en-US" dirty="0"/>
           </a:p>
         </p:txBody>
       </p:sp>
@@ -281,20 +252,14 @@
           <a:ln w="9525">
             <a:noFill/>
             <a:miter lim="800000"/>
-            <a:headEnd/>
-            <a:tailEnd/>
           </a:ln>
         </p:spPr>
         <p:txBody>
-          <a:bodyPr vert="horz" wrap="square" lIns="96603" tIns="48303" rIns="96603" bIns="48303" numCol="1" anchor="b" anchorCtr="0" compatLnSpc="1">
-            <a:prstTxWarp prst="textNoShape">
-              <a:avLst/>
-            </a:prstTxWarp>
-          </a:bodyPr>
+          <a:bodyPr vert="horz" wrap="square" lIns="96603" tIns="48303" rIns="96603" bIns="48303" numCol="1" anchor="b" anchorCtr="0" compatLnSpc="1"/>
           <a:lstStyle>
             <a:lvl1pPr algn="r" defTabSz="965200">
               <a:defRPr sz="1200">
-                <a:latin typeface="Times New Roman" pitchFamily="18" charset="0"/>
+                <a:latin typeface="Times New Roman" panose="02020603050405020304" pitchFamily="-110" charset="0"/>
               </a:defRPr>
             </a:lvl1pPr>
           </a:lstStyle>
@@ -304,21 +269,12 @@
             </a:pPr>
             <a:fld id="{97E62689-8C7D-4291-A094-4E689FEC4C3B}" type="slidenum">
               <a:rPr lang="en-US"/>
-              <a:pPr>
-                <a:defRPr/>
-              </a:pPr>
-              <a:t>‹#›</a:t>
             </a:fld>
             <a:endParaRPr lang="en-US" dirty="0"/>
           </a:p>
         </p:txBody>
       </p:sp>
     </p:spTree>
-    <p:extLst>
-      <p:ext uri="{BB962C8B-B14F-4D97-AF65-F5344CB8AC3E}">
-        <p14:creationId xmlns:p14="http://schemas.microsoft.com/office/powerpoint/2010/main" val="3239291525"/>
-      </p:ext>
-    </p:extLst>
   </p:cSld>
   <p:clrMap bg1="lt1" tx1="dk1" bg2="lt2" tx2="dk2" accent1="accent1" accent2="accent2" accent3="accent3" accent4="accent4" accent5="accent5" accent6="accent6" hlink="hlink" folHlink="folHlink"/>
   <p:hf hdr="0" ftr="0" dt="0"/>
@@ -374,8 +330,6 @@
               <a:srgbClr val="000000"/>
             </a:solidFill>
             <a:miter lim="800000"/>
-            <a:headEnd/>
-            <a:tailEnd/>
           </a:ln>
         </p:spPr>
       </p:sp>
@@ -401,21 +355,15 @@
           <a:ln w="9525">
             <a:noFill/>
             <a:miter lim="800000"/>
-            <a:headEnd/>
-            <a:tailEnd/>
           </a:ln>
           <a:effectLst/>
         </p:spPr>
         <p:txBody>
-          <a:bodyPr vert="horz" wrap="square" lIns="0" tIns="0" rIns="0" bIns="0" numCol="1" anchor="b" anchorCtr="1" compatLnSpc="1">
-            <a:prstTxWarp prst="textNoShape">
-              <a:avLst/>
-            </a:prstTxWarp>
-          </a:bodyPr>
+          <a:bodyPr vert="horz" wrap="square" lIns="0" tIns="0" rIns="0" bIns="0" numCol="1" anchor="b" anchorCtr="1" compatLnSpc="1"/>
           <a:lstStyle>
             <a:lvl1pPr algn="ctr" defTabSz="965200" eaLnBrk="0" hangingPunct="0">
               <a:defRPr sz="900">
-                <a:latin typeface="Arial" charset="0"/>
+                <a:latin typeface="Arial" panose="020B0604020202020204" pitchFamily="34" charset="0"/>
               </a:defRPr>
             </a:lvl1pPr>
           </a:lstStyle>
@@ -427,6 +375,7 @@
               <a:rPr lang="en-US" dirty="0"/>
               <a:t>Copyright © 2017 Elephant Scale. All rights reserved.</a:t>
             </a:r>
+            <a:endParaRPr lang="en-US" dirty="0"/>
           </a:p>
         </p:txBody>
       </p:sp>
@@ -452,21 +401,15 @@
           <a:ln w="9525">
             <a:noFill/>
             <a:miter lim="800000"/>
-            <a:headEnd/>
-            <a:tailEnd/>
           </a:ln>
           <a:effectLst/>
         </p:spPr>
         <p:txBody>
-          <a:bodyPr vert="horz" wrap="square" lIns="0" tIns="0" rIns="0" bIns="0" numCol="1" anchor="b" anchorCtr="0" compatLnSpc="1">
-            <a:prstTxWarp prst="textNoShape">
-              <a:avLst/>
-            </a:prstTxWarp>
-          </a:bodyPr>
+          <a:bodyPr vert="horz" wrap="square" lIns="0" tIns="0" rIns="0" bIns="0" numCol="1" anchor="b" anchorCtr="0" compatLnSpc="1"/>
           <a:lstStyle>
             <a:lvl1pPr algn="r" defTabSz="965200" eaLnBrk="0" hangingPunct="0">
               <a:defRPr b="1">
-                <a:latin typeface="Arial" charset="0"/>
+                <a:latin typeface="Arial" panose="020B0604020202020204" pitchFamily="34" charset="0"/>
               </a:defRPr>
             </a:lvl1pPr>
           </a:lstStyle>
@@ -476,10 +419,6 @@
             </a:pPr>
             <a:fld id="{EFAADD5D-AF76-45EE-AA5F-6DAC73BF167A}" type="slidenum">
               <a:rPr lang="en-US"/>
-              <a:pPr>
-                <a:defRPr/>
-              </a:pPr>
-              <a:t>‹#›</a:t>
             </a:fld>
             <a:endParaRPr lang="en-US" dirty="0"/>
           </a:p>
@@ -505,24 +444,26 @@
           <a:ln w="9525">
             <a:noFill/>
             <a:miter lim="800000"/>
-            <a:headEnd/>
-            <a:tailEnd/>
           </a:ln>
         </p:spPr>
         <p:txBody>
           <a:bodyPr wrap="none" lIns="96386" tIns="48194" rIns="96386" bIns="48194"/>
           <a:lstStyle/>
           <a:p>
-            <a:pPr defTabSz="960438">
+            <a:pPr defTabSz="960755">
               <a:defRPr/>
             </a:pPr>
             <a:r>
               <a:rPr lang="en-US" sz="1200" b="1" u="sng" dirty="0">
-                <a:latin typeface="Times New Roman" pitchFamily="18" charset="0"/>
-                <a:cs typeface="Times New Roman" pitchFamily="18" charset="0"/>
+                <a:latin typeface="Times New Roman" panose="02020603050405020304" pitchFamily="-110" charset="0"/>
+                <a:cs typeface="Times New Roman" panose="02020603050405020304" pitchFamily="-110" charset="0"/>
               </a:rPr>
               <a:t>Notes:</a:t>
             </a:r>
+            <a:endParaRPr lang="en-US" sz="1200" b="1" u="sng" dirty="0">
+              <a:latin typeface="Times New Roman" panose="02020603050405020304" pitchFamily="-110" charset="0"/>
+              <a:cs typeface="Times New Roman" panose="02020603050405020304" pitchFamily="-110" charset="0"/>
+            </a:endParaRPr>
           </a:p>
         </p:txBody>
       </p:sp>
@@ -548,16 +489,10 @@
           <a:ln w="9525">
             <a:noFill/>
             <a:miter lim="800000"/>
-            <a:headEnd/>
-            <a:tailEnd/>
           </a:ln>
         </p:spPr>
         <p:txBody>
-          <a:bodyPr vert="horz" wrap="square" lIns="91537" tIns="45768" rIns="91537" bIns="45768" numCol="1" anchor="t" anchorCtr="0" compatLnSpc="1">
-            <a:prstTxWarp prst="textNoShape">
-              <a:avLst/>
-            </a:prstTxWarp>
-          </a:bodyPr>
+          <a:bodyPr vert="horz" wrap="square" lIns="91537" tIns="45768" rIns="91537" bIns="45768" numCol="1" anchor="t" anchorCtr="0" compatLnSpc="1"/>
           <a:lstStyle/>
           <a:p>
             <a:pPr lvl="0"/>
@@ -587,8 +522,6 @@
               <a:srgbClr val="000000"/>
             </a:solidFill>
             <a:round/>
-            <a:headEnd/>
-            <a:tailEnd/>
           </a:ln>
           <a:effectLst/>
         </p:spPr>
@@ -603,7 +536,7 @@
               <a:defRPr/>
             </a:pPr>
             <a:endParaRPr lang="en-US" dirty="0">
-              <a:latin typeface="Garamond" pitchFamily="-110" charset="0"/>
+              <a:latin typeface="Garamond" pitchFamily="18" charset="0"/>
               <a:ea typeface="+mn-ea"/>
               <a:cs typeface="+mn-cs"/>
             </a:endParaRPr>
@@ -611,11 +544,6 @@
         </p:txBody>
       </p:sp>
     </p:spTree>
-    <p:extLst>
-      <p:ext uri="{BB962C8B-B14F-4D97-AF65-F5344CB8AC3E}">
-        <p14:creationId xmlns:p14="http://schemas.microsoft.com/office/powerpoint/2010/main" val="953744030"/>
-      </p:ext>
-    </p:extLst>
   </p:cSld>
   <p:clrMap bg1="lt1" tx1="dk1" bg2="lt2" tx2="dk2" accent1="accent1" accent2="accent2" accent3="accent3" accent4="accent4" accent5="accent5" accent6="accent6" hlink="hlink" folHlink="folHlink"/>
   <p:hf dt="0"/>
@@ -628,15 +556,15 @@
         <a:spcPct val="0"/>
       </a:spcAft>
       <a:buSzPct val="65000"/>
-      <a:buFont typeface="Wingdings" pitchFamily="2" charset="2"/>
+      <a:buFont typeface="Wingdings" panose="05000000000000000000" pitchFamily="2" charset="2"/>
       <a:buNone/>
       <a:defRPr sz="1200" kern="1200">
         <a:solidFill>
           <a:schemeClr val="tx1"/>
         </a:solidFill>
-        <a:latin typeface="Times New Roman" pitchFamily="-110" charset="0"/>
-        <a:ea typeface="ＭＳ Ｐゴシック" pitchFamily="-110" charset="-128"/>
-        <a:cs typeface="ＭＳ Ｐゴシック" pitchFamily="-110" charset="-128"/>
+        <a:latin typeface="Times New Roman" panose="02020603050405020304" pitchFamily="-110" charset="0"/>
+        <a:ea typeface="MS PGothic" pitchFamily="-110" charset="-128"/>
+        <a:cs typeface="MS PGothic" pitchFamily="-110" charset="-128"/>
       </a:defRPr>
     </a:lvl1pPr>
     <a:lvl2pPr marL="282575" indent="0" algn="l" rtl="0" eaLnBrk="0" fontAlgn="base" hangingPunct="0">
@@ -651,12 +579,12 @@
         <a:solidFill>
           <a:schemeClr val="tx1"/>
         </a:solidFill>
-        <a:latin typeface="Times New Roman" pitchFamily="-110" charset="0"/>
-        <a:ea typeface="ＭＳ Ｐゴシック" pitchFamily="-110" charset="-128"/>
-        <a:cs typeface="ＭＳ Ｐゴシック"/>
+        <a:latin typeface="Times New Roman" panose="02020603050405020304" pitchFamily="-110" charset="0"/>
+        <a:ea typeface="MS PGothic" pitchFamily="-110" charset="-128"/>
+        <a:cs typeface="MS PGothic"/>
       </a:defRPr>
     </a:lvl2pPr>
-    <a:lvl3pPr marL="744538" indent="-173038" algn="l" rtl="0" eaLnBrk="0" fontAlgn="base" hangingPunct="0">
+    <a:lvl3pPr marL="744855" indent="-173355" algn="l" rtl="0" eaLnBrk="0" fontAlgn="base" hangingPunct="0">
       <a:spcBef>
         <a:spcPct val="30000"/>
       </a:spcBef>
@@ -668,9 +596,9 @@
         <a:solidFill>
           <a:schemeClr val="tx1"/>
         </a:solidFill>
-        <a:latin typeface="Times New Roman" pitchFamily="-110" charset="0"/>
-        <a:ea typeface="ＭＳ Ｐゴシック" pitchFamily="-110" charset="-128"/>
-        <a:cs typeface="ＭＳ Ｐゴシック"/>
+        <a:latin typeface="Times New Roman" panose="02020603050405020304" pitchFamily="-110" charset="0"/>
+        <a:ea typeface="MS PGothic" pitchFamily="-110" charset="-128"/>
+        <a:cs typeface="MS PGothic"/>
       </a:defRPr>
     </a:lvl3pPr>
     <a:lvl4pPr marL="1600200" indent="-228600" algn="l" rtl="0" eaLnBrk="0" fontAlgn="base" hangingPunct="0">
@@ -684,9 +612,9 @@
         <a:solidFill>
           <a:schemeClr val="tx1"/>
         </a:solidFill>
-        <a:latin typeface="Times New Roman" pitchFamily="-110" charset="0"/>
-        <a:ea typeface="ＭＳ Ｐゴシック" pitchFamily="-110" charset="-128"/>
-        <a:cs typeface="ＭＳ Ｐゴシック"/>
+        <a:latin typeface="Times New Roman" panose="02020603050405020304" pitchFamily="-110" charset="0"/>
+        <a:ea typeface="MS PGothic" pitchFamily="-110" charset="-128"/>
+        <a:cs typeface="MS PGothic"/>
       </a:defRPr>
     </a:lvl4pPr>
     <a:lvl5pPr marL="2057400" indent="-228600" algn="l" rtl="0" eaLnBrk="0" fontAlgn="base" hangingPunct="0">
@@ -700,9 +628,9 @@
         <a:solidFill>
           <a:schemeClr val="tx1"/>
         </a:solidFill>
-        <a:latin typeface="Times New Roman" pitchFamily="-110" charset="0"/>
-        <a:ea typeface="ＭＳ Ｐゴシック" pitchFamily="-110" charset="-128"/>
-        <a:cs typeface="ＭＳ Ｐゴシック"/>
+        <a:latin typeface="Times New Roman" panose="02020603050405020304" pitchFamily="-110" charset="0"/>
+        <a:ea typeface="MS PGothic" pitchFamily="-110" charset="-128"/>
+        <a:cs typeface="MS PGothic"/>
       </a:defRPr>
     </a:lvl5pPr>
     <a:lvl6pPr marL="2286000" algn="l" defTabSz="457200" rtl="0" eaLnBrk="1" latinLnBrk="0" hangingPunct="1">
@@ -770,7 +698,7 @@
         <p:nvSpPr>
           <p:cNvPr id="2" name="Slide Image Placeholder 1"/>
           <p:cNvSpPr>
-            <a:spLocks noGrp="1" noRot="1" noChangeAspect="1"/>
+            <a:spLocks noGrp="1"/>
           </p:cNvSpPr>
           <p:nvPr>
             <p:ph type="sldImg" idx="2"/>
@@ -806,7 +734,567 @@
           <a:lstStyle/>
           <a:p>
             <a:r>
-              <a:t> The plan described in the following slides follows the direction suggested in the "Comprehensive Guide to Operational Technology Cybersecurity" eBook by MissionSecure company</a:t>
+              <a:t> The plan described in the following slides follows the direction suggested</a:t>
+            </a:r>
+            <a:r>
+              <a:t> in the "Comprehensive Guide to Operational Technology Cybersecurity" eBook</a:t>
+            </a:r>
+            <a:r>
+              <a:t> by MissionSecure company</a:t>
+            </a:r>
+          </a:p>
+        </p:txBody>
+      </p:sp>
+    </p:spTree>
+  </p:cSld>
+  <p:clrMapOvr>
+    <a:masterClrMapping/>
+  </p:clrMapOvr>
+</p:notes>
+</file>
+
+<file path=ppt/notesSlides/notesSlide2.xml><?xml version="1.0" encoding="utf-8"?>
+<p:notes xmlns:a="http://schemas.openxmlformats.org/drawingml/2006/main" xmlns:r="http://schemas.openxmlformats.org/officeDocument/2006/relationships" xmlns:p="http://schemas.openxmlformats.org/presentationml/2006/main">
+  <p:cSld>
+    <p:spTree>
+      <p:nvGrpSpPr>
+        <p:cNvPr id="1" name=""/>
+        <p:cNvGrpSpPr/>
+        <p:nvPr/>
+      </p:nvGrpSpPr>
+      <p:grpSpPr>
+        <a:xfrm>
+          <a:off x="0" y="0"/>
+          <a:ext cx="0" cy="0"/>
+          <a:chOff x="0" y="0"/>
+          <a:chExt cx="0" cy="0"/>
+        </a:xfrm>
+      </p:grpSpPr>
+      <p:sp>
+        <p:nvSpPr>
+          <p:cNvPr id="2" name="Slide Image Placeholder 1"/>
+          <p:cNvSpPr>
+            <a:spLocks noGrp="1"/>
+          </p:cNvSpPr>
+          <p:nvPr>
+            <p:ph type="sldImg" idx="2"/>
+          </p:nvPr>
+        </p:nvSpPr>
+        <p:spPr/>
+      </p:sp>
+      <p:sp>
+        <p:nvSpPr>
+          <p:cNvPr id="3" name="Slide Number Placeholder 2"/>
+          <p:cNvSpPr>
+            <a:spLocks noGrp="1"/>
+          </p:cNvSpPr>
+          <p:nvPr>
+            <p:ph type="sldNum" sz="quarter" idx="5"/>
+          </p:nvPr>
+        </p:nvSpPr>
+        <p:spPr/>
+      </p:sp>
+      <p:sp>
+        <p:nvSpPr>
+          <p:cNvPr id="4" name="Notes Placeholder 3"/>
+          <p:cNvSpPr>
+            <a:spLocks noGrp="1"/>
+          </p:cNvSpPr>
+          <p:nvPr>
+            <p:ph type="body" sz="quarter" idx="3"/>
+          </p:nvPr>
+        </p:nvSpPr>
+        <p:spPr/>
+        <p:txBody>
+          <a:bodyPr/>
+          <a:lstStyle/>
+          <a:p>
+            <a:r>
+              <a:t> As data collection and analysis become</a:t>
+            </a:r>
+            <a:r>
+              <a:t> more important, and as IT and OT converge to enable “big data” initiatives, it has become necessary to reassess</a:t>
+            </a:r>
+            <a:r>
+              <a:t> cybersecurity best practices for protecting OT.</a:t>
+            </a:r>
+          </a:p>
+        </p:txBody>
+      </p:sp>
+    </p:spTree>
+  </p:cSld>
+  <p:clrMapOvr>
+    <a:masterClrMapping/>
+  </p:clrMapOvr>
+</p:notes>
+</file>
+
+<file path=ppt/notesSlides/notesSlide3.xml><?xml version="1.0" encoding="utf-8"?>
+<p:notes xmlns:a="http://schemas.openxmlformats.org/drawingml/2006/main" xmlns:r="http://schemas.openxmlformats.org/officeDocument/2006/relationships" xmlns:p="http://schemas.openxmlformats.org/presentationml/2006/main">
+  <p:cSld>
+    <p:spTree>
+      <p:nvGrpSpPr>
+        <p:cNvPr id="1" name=""/>
+        <p:cNvGrpSpPr/>
+        <p:nvPr/>
+      </p:nvGrpSpPr>
+      <p:grpSpPr>
+        <a:xfrm>
+          <a:off x="0" y="0"/>
+          <a:ext cx="0" cy="0"/>
+          <a:chOff x="0" y="0"/>
+          <a:chExt cx="0" cy="0"/>
+        </a:xfrm>
+      </p:grpSpPr>
+      <p:sp>
+        <p:nvSpPr>
+          <p:cNvPr id="2" name="Slide Image Placeholder 1"/>
+          <p:cNvSpPr>
+            <a:spLocks noGrp="1"/>
+          </p:cNvSpPr>
+          <p:nvPr>
+            <p:ph type="sldImg" idx="2"/>
+          </p:nvPr>
+        </p:nvSpPr>
+        <p:spPr/>
+      </p:sp>
+      <p:sp>
+        <p:nvSpPr>
+          <p:cNvPr id="3" name="Slide Number Placeholder 2"/>
+          <p:cNvSpPr>
+            <a:spLocks noGrp="1"/>
+          </p:cNvSpPr>
+          <p:nvPr>
+            <p:ph type="sldNum" sz="quarter" idx="5"/>
+          </p:nvPr>
+        </p:nvSpPr>
+        <p:spPr/>
+      </p:sp>
+      <p:sp>
+        <p:nvSpPr>
+          <p:cNvPr id="4" name="Notes Placeholder 3"/>
+          <p:cNvSpPr>
+            <a:spLocks noGrp="1"/>
+          </p:cNvSpPr>
+          <p:nvPr>
+            <p:ph type="body" sz="quarter" idx="3"/>
+          </p:nvPr>
+        </p:nvSpPr>
+        <p:spPr/>
+        <p:txBody>
+          <a:bodyPr/>
+          <a:lstStyle/>
+          <a:p>
+            <a:r>
+              <a:t> The need for industrial controls arose with the first Industrial Revolution of the 1700s. Converting steam into usable</a:t>
+            </a:r>
+            <a:r>
+              <a:t> energy was difficult and dangerous; it took decades to perfect a governor that could control the speed of steam engine</a:t>
+            </a:r>
+            <a:r>
+              <a:t> output to truly tame this new power source. Each subsequent industrial revolution (we are currently into the fourth) has</a:t>
+            </a:r>
+            <a:r>
+              <a:t> driven, or was driven by, further developments in controls on physical systems.</a:t>
+            </a:r>
+          </a:p>
+          <a:p>
+            <a:r>
+              <a:t> The Last Modern Era: Third Industrial Revolution</a:t>
+            </a:r>
+          </a:p>
+          <a:p>
+            <a:r>
+              <a:t> A major advance in industrial controls was the ability to automate multiple steps in a manufacturing process. To</a:t>
+            </a:r>
+            <a:r>
+              <a:t> enable this type of operation, engineers developed electrically operated on/off switches, called relays, which could be</a:t>
+            </a:r>
+            <a:r>
+              <a:t> combined to perform logical operations. This type of control logic appeared on manufacturing lines as early as 1900.</a:t>
+            </a:r>
+            <a:r>
+              <a:t> Relays work great, but to modify the logic you had to rip out the hardware stack and re-wire it with a new relay</a:t>
+            </a:r>
+            <a:r>
+              <a:t> configuration. Even if you only had to do this once a year, say when moving to a new product model on a production line,</a:t>
+            </a:r>
+            <a:r>
+              <a:t> it was costly and time-consuming.</a:t>
+            </a:r>
+          </a:p>
+          <a:p>
+            <a:r>
+              <a:t> Programmable Logic Controllers</a:t>
+            </a:r>
+            <a:r>
+              <a:t> The programmable logic controller (PLC), first</a:t>
+            </a:r>
+            <a:r>
+              <a:t> designed in 1971, was created as a replacement</a:t>
+            </a:r>
+            <a:r>
+              <a:t> for traditional relay stacks. PLCs applied electronics</a:t>
+            </a:r>
+            <a:r>
+              <a:t> to production automation for the first time, thereby</a:t>
+            </a:r>
+            <a:r>
+              <a:t> launching the third Industrial Revolution. The</a:t>
+            </a:r>
+            <a:r>
+              <a:t> invention of the PLC made creating and modifying</a:t>
+            </a:r>
+            <a:r>
+              <a:t> control logic much easier, and it quickly became</a:t>
+            </a:r>
+            <a:r>
+              <a:t> the foundation for simple but powerful control loop</a:t>
+            </a:r>
+            <a:r>
+              <a:t> systems, which consist of a sensor, controller (e.g.,</a:t>
+            </a:r>
+            <a:r>
+              <a:t> PLC), and actuator.</a:t>
+            </a:r>
+          </a:p>
+          <a:p>
+            <a:r>
+              <a:t> Control Systems</a:t>
+            </a:r>
+            <a:r>
+              <a:t> From these simple process loops, very complex</a:t>
+            </a:r>
+            <a:r>
+              <a:t> behavior can be modeled and controlled with nested</a:t>
+            </a:r>
+            <a:r>
+              <a:t> and/or cascading architectures. Logic can be built to</a:t>
+            </a:r>
+            <a:r>
+              <a:t> control continuous manufacturing processes, such</a:t>
+            </a:r>
+            <a:r>
+              <a:t> as those found in a refinery or chemical plant, and</a:t>
+            </a:r>
+            <a:r>
+              <a:t> batch manufacturing processes, such as is found on</a:t>
+            </a:r>
+            <a:r>
+              <a:t> an assembly line. Control systems also found their way</a:t>
+            </a:r>
+            <a:r>
+              <a:t> into distributed applications such as electrical power</a:t>
+            </a:r>
+            <a:r>
+              <a:t> grids, railways, and pipelines.</a:t>
+            </a:r>
+          </a:p>
+        </p:txBody>
+      </p:sp>
+    </p:spTree>
+  </p:cSld>
+  <p:clrMapOvr>
+    <a:masterClrMapping/>
+  </p:clrMapOvr>
+</p:notes>
+</file>
+
+<file path=ppt/notesSlides/notesSlide4.xml><?xml version="1.0" encoding="utf-8"?>
+<p:notes xmlns:a="http://schemas.openxmlformats.org/drawingml/2006/main" xmlns:r="http://schemas.openxmlformats.org/officeDocument/2006/relationships" xmlns:p="http://schemas.openxmlformats.org/presentationml/2006/main">
+  <p:cSld>
+    <p:spTree>
+      <p:nvGrpSpPr>
+        <p:cNvPr id="1" name=""/>
+        <p:cNvGrpSpPr/>
+        <p:nvPr/>
+      </p:nvGrpSpPr>
+      <p:grpSpPr>
+        <a:xfrm>
+          <a:off x="0" y="0"/>
+          <a:ext cx="0" cy="0"/>
+          <a:chOff x="0" y="0"/>
+          <a:chExt cx="0" cy="0"/>
+        </a:xfrm>
+      </p:grpSpPr>
+      <p:sp>
+        <p:nvSpPr>
+          <p:cNvPr id="2" name="Slide Image Placeholder 1"/>
+          <p:cNvSpPr>
+            <a:spLocks noGrp="1"/>
+          </p:cNvSpPr>
+          <p:nvPr>
+            <p:ph type="sldImg" idx="2"/>
+          </p:nvPr>
+        </p:nvSpPr>
+        <p:spPr/>
+      </p:sp>
+      <p:sp>
+        <p:nvSpPr>
+          <p:cNvPr id="3" name="Slide Number Placeholder 2"/>
+          <p:cNvSpPr>
+            <a:spLocks noGrp="1"/>
+          </p:cNvSpPr>
+          <p:nvPr>
+            <p:ph type="sldNum" sz="quarter" idx="5"/>
+          </p:nvPr>
+        </p:nvSpPr>
+        <p:spPr/>
+      </p:sp>
+      <p:sp>
+        <p:nvSpPr>
+          <p:cNvPr id="4" name="Notes Placeholder 3"/>
+          <p:cNvSpPr>
+            <a:spLocks noGrp="1"/>
+          </p:cNvSpPr>
+          <p:nvPr>
+            <p:ph type="body" sz="quarter" idx="3"/>
+          </p:nvPr>
+        </p:nvSpPr>
+        <p:spPr/>
+        <p:txBody>
+          <a:bodyPr/>
+          <a:lstStyle/>
+          <a:p>
+            <a:r>
+              <a:t> Often in distribution system applications,</a:t>
+            </a:r>
+            <a:r>
+              <a:t> data acquisition is as important as control.</a:t>
+            </a:r>
+            <a:r>
+              <a:t> Historically, Supervisory Control and Data</a:t>
+            </a:r>
+            <a:r>
+              <a:t> Acquisition (SCADA) systems have been used</a:t>
+            </a:r>
+            <a:r>
+              <a:t> to integrate data acquisition systems (sensors)</a:t>
+            </a:r>
+            <a:r>
+              <a:t> with data transmission systems and data</a:t>
+            </a:r>
+            <a:r>
+              <a:t> presentation solutions that support Human-</a:t>
+            </a:r>
+            <a:r>
+              <a:t> Machine Interface (HMI) software, creating</a:t>
+            </a:r>
+            <a:r>
+              <a:t> centralized visibility into an entire system, such</a:t>
+            </a:r>
+            <a:r>
+              <a:t> as an electric grid.</a:t>
+            </a:r>
+          </a:p>
+          <a:p>
+            <a:r>
+              <a:t> Distributed Control Systems (DCS)</a:t>
+            </a:r>
+            <a:r>
+              <a:t> Distributed Control Systems (DCS) provide a</a:t>
+            </a:r>
+            <a:r>
+              <a:t> similar set of functionalities as SCADA but on</a:t>
+            </a:r>
+            <a:r>
+              <a:t> the scale of a factory, and typically with less</a:t>
+            </a:r>
+            <a:r>
+              <a:t> complexity, or at least diversity, in networking</a:t>
+            </a:r>
+            <a:r>
+              <a:t> and communications channels.</a:t>
+            </a:r>
+          </a:p>
+        </p:txBody>
+      </p:sp>
+    </p:spTree>
+  </p:cSld>
+  <p:clrMapOvr>
+    <a:masterClrMapping/>
+  </p:clrMapOvr>
+</p:notes>
+</file>
+
+<file path=ppt/notesSlides/notesSlide5.xml><?xml version="1.0" encoding="utf-8"?>
+<p:notes xmlns:a="http://schemas.openxmlformats.org/drawingml/2006/main" xmlns:r="http://schemas.openxmlformats.org/officeDocument/2006/relationships" xmlns:p="http://schemas.openxmlformats.org/presentationml/2006/main">
+  <p:cSld>
+    <p:spTree>
+      <p:nvGrpSpPr>
+        <p:cNvPr id="1" name=""/>
+        <p:cNvGrpSpPr/>
+        <p:nvPr/>
+      </p:nvGrpSpPr>
+      <p:grpSpPr>
+        <a:xfrm>
+          <a:off x="0" y="0"/>
+          <a:ext cx="0" cy="0"/>
+          <a:chOff x="0" y="0"/>
+          <a:chExt cx="0" cy="0"/>
+        </a:xfrm>
+      </p:grpSpPr>
+      <p:sp>
+        <p:nvSpPr>
+          <p:cNvPr id="2" name="Slide Image Placeholder 1"/>
+          <p:cNvSpPr>
+            <a:spLocks noGrp="1"/>
+          </p:cNvSpPr>
+          <p:nvPr>
+            <p:ph type="sldImg" idx="2"/>
+          </p:nvPr>
+        </p:nvSpPr>
+        <p:spPr/>
+      </p:sp>
+      <p:sp>
+        <p:nvSpPr>
+          <p:cNvPr id="3" name="Slide Number Placeholder 2"/>
+          <p:cNvSpPr>
+            <a:spLocks noGrp="1"/>
+          </p:cNvSpPr>
+          <p:nvPr>
+            <p:ph type="sldNum" sz="quarter" idx="5"/>
+          </p:nvPr>
+        </p:nvSpPr>
+        <p:spPr/>
+      </p:sp>
+      <p:sp>
+        <p:nvSpPr>
+          <p:cNvPr id="4" name="Notes Placeholder 3"/>
+          <p:cNvSpPr>
+            <a:spLocks noGrp="1"/>
+          </p:cNvSpPr>
+          <p:nvPr>
+            <p:ph type="body" sz="quarter" idx="3"/>
+          </p:nvPr>
+        </p:nvSpPr>
+        <p:spPr/>
+        <p:txBody>
+          <a:bodyPr/>
+          <a:lstStyle/>
+          <a:p>
+            <a:r>
+              <a:t> All of the technologies we have discussed have historically been rolled up under the heading of industrial control</a:t>
+            </a:r>
+            <a:r>
+              <a:t> systems (ICS). However, the use of the term operational technology (OT), in contradistinction to IT, has become</a:t>
+            </a:r>
+            <a:r>
+              <a:t> popular in recent years. The analyst firm Gartner defines OT as...</a:t>
+            </a:r>
+          </a:p>
+          <a:p>
+            <a:r>
+              <a:t> This definition makes it clear that the distinction between OT and ICS is not so much in the core functionality of OT</a:t>
+            </a:r>
+            <a:r>
+              <a:t> but more in the recognition of an evolving definition of “asset-centric” enterprises, with OT now finding application far</a:t>
+            </a:r>
+            <a:r>
+              <a:t> beyond the traditional “industrial” industries where ICS has found a home for the last 50 years.</a:t>
+            </a:r>
+          </a:p>
+        </p:txBody>
+      </p:sp>
+    </p:spTree>
+  </p:cSld>
+  <p:clrMapOvr>
+    <a:masterClrMapping/>
+  </p:clrMapOvr>
+</p:notes>
+</file>
+
+<file path=ppt/notesSlides/notesSlide6.xml><?xml version="1.0" encoding="utf-8"?>
+<p:notes xmlns:a="http://schemas.openxmlformats.org/drawingml/2006/main" xmlns:r="http://schemas.openxmlformats.org/officeDocument/2006/relationships" xmlns:p="http://schemas.openxmlformats.org/presentationml/2006/main">
+  <p:cSld>
+    <p:spTree>
+      <p:nvGrpSpPr>
+        <p:cNvPr id="1" name=""/>
+        <p:cNvGrpSpPr/>
+        <p:nvPr/>
+      </p:nvGrpSpPr>
+      <p:grpSpPr>
+        <a:xfrm>
+          <a:off x="0" y="0"/>
+          <a:ext cx="0" cy="0"/>
+          <a:chOff x="0" y="0"/>
+          <a:chExt cx="0" cy="0"/>
+        </a:xfrm>
+      </p:grpSpPr>
+      <p:sp>
+        <p:nvSpPr>
+          <p:cNvPr id="2" name="Slide Image Placeholder 1"/>
+          <p:cNvSpPr>
+            <a:spLocks noGrp="1"/>
+          </p:cNvSpPr>
+          <p:nvPr>
+            <p:ph type="sldImg" idx="2"/>
+          </p:nvPr>
+        </p:nvSpPr>
+        <p:spPr/>
+      </p:sp>
+      <p:sp>
+        <p:nvSpPr>
+          <p:cNvPr id="3" name="Slide Number Placeholder 2"/>
+          <p:cNvSpPr>
+            <a:spLocks noGrp="1"/>
+          </p:cNvSpPr>
+          <p:nvPr>
+            <p:ph type="sldNum" sz="quarter" idx="5"/>
+          </p:nvPr>
+        </p:nvSpPr>
+        <p:spPr/>
+      </p:sp>
+      <p:sp>
+        <p:nvSpPr>
+          <p:cNvPr id="4" name="Notes Placeholder 3"/>
+          <p:cNvSpPr>
+            <a:spLocks noGrp="1"/>
+          </p:cNvSpPr>
+          <p:nvPr>
+            <p:ph type="body" sz="quarter" idx="3"/>
+          </p:nvPr>
+        </p:nvSpPr>
+        <p:spPr/>
+        <p:txBody>
+          <a:bodyPr/>
+          <a:lstStyle/>
+          <a:p>
+            <a:r>
+              <a:t> IoT leverages several new technologies that have</a:t>
+            </a:r>
+            <a:r>
+              <a:t> significantly reduced the difficulty and cost of deploying</a:t>
+            </a:r>
+            <a:r>
+              <a:t> monitoring and control systems, particularly in highly</a:t>
+            </a:r>
+            <a:r>
+              <a:t> geographically distributed environments. These</a:t>
+            </a:r>
+            <a:r>
+              <a:t> technologies include real-time analytics, commodity</a:t>
+            </a:r>
+            <a:r>
+              <a:t> sensors, sophisticated embedded systems, cloud storage</a:t>
+            </a:r>
+            <a:r>
+              <a:t> and computing, and 5G networks. The sophistication of</a:t>
+            </a:r>
+            <a:r>
+              <a:t> analytics, the ubiquity of bandwidth—wired and wireless—</a:t>
+            </a:r>
+            <a:r>
+              <a:t> and the low price of data storage and compact multi-</a:t>
+            </a:r>
+            <a:r>
+              <a:t> purpose sensors have all converged to make it much</a:t>
+            </a:r>
+            <a:r>
+              <a:t> cheaper and easier to collect, analyze and act, on massive</a:t>
+            </a:r>
+            <a:r>
+              <a:t> amounts of data about the world around us.</a:t>
             </a:r>
           </a:p>
         </p:txBody>
@@ -820,7 +1308,7 @@
 </file>
 
 <file path=ppt/slideLayouts/slideLayout1.xml><?xml version="1.0" encoding="utf-8"?>
-<p:sldLayout xmlns:a="http://schemas.openxmlformats.org/drawingml/2006/main" xmlns:r="http://schemas.openxmlformats.org/officeDocument/2006/relationships" xmlns:p="http://schemas.openxmlformats.org/presentationml/2006/main" showMasterSp="0" type="title" preserve="1">
+<p:sldLayout xmlns:a="http://schemas.openxmlformats.org/drawingml/2006/main" xmlns:r="http://schemas.openxmlformats.org/officeDocument/2006/relationships" xmlns:p="http://schemas.openxmlformats.org/presentationml/2006/main" type="title" preserve="1" showMasterSp="0">
   <p:cSld name="Title Slide">
     <p:bg>
       <p:bgPr>
@@ -855,7 +1343,9 @@
         <p:blipFill rotWithShape="1">
           <a:blip r:embed="rId2"/>
           <a:srcRect t="19473"/>
-          <a:stretch/>
+          <a:stretch>
+            <a:fillRect/>
+          </a:stretch>
         </p:blipFill>
         <p:spPr bwMode="auto">
           <a:xfrm>
@@ -906,6 +1396,7 @@
               <a:rPr lang="en-US"/>
               <a:t>Click to edit Master subtitle style</a:t>
             </a:r>
+            <a:endParaRPr lang="en-US"/>
           </a:p>
         </p:txBody>
       </p:sp>
@@ -937,6 +1428,7 @@
               <a:rPr lang="en-US"/>
               <a:t>Click to edit Master title style</a:t>
             </a:r>
+            <a:endParaRPr lang="en-US"/>
           </a:p>
         </p:txBody>
       </p:sp>
@@ -986,6 +1478,7 @@
               <a:rPr lang="en-US" dirty="0"/>
               <a:t>Click to edit Master title style</a:t>
             </a:r>
+            <a:endParaRPr lang="en-US" dirty="0"/>
           </a:p>
         </p:txBody>
       </p:sp>
@@ -1009,6 +1502,7 @@
               <a:rPr lang="en-US" dirty="0"/>
               <a:t>Click to edit Master text styles</a:t>
             </a:r>
+            <a:endParaRPr lang="en-US" dirty="0"/>
           </a:p>
           <a:p>
             <a:pPr lvl="1"/>
@@ -1016,6 +1510,7 @@
               <a:rPr lang="en-US" dirty="0"/>
               <a:t>Second level</a:t>
             </a:r>
+            <a:endParaRPr lang="en-US" dirty="0"/>
           </a:p>
           <a:p>
             <a:pPr lvl="2"/>
@@ -1023,6 +1518,7 @@
               <a:rPr lang="en-US" dirty="0"/>
               <a:t>Third level</a:t>
             </a:r>
+            <a:endParaRPr lang="en-US" dirty="0"/>
           </a:p>
           <a:p>
             <a:pPr lvl="3"/>
@@ -1030,6 +1526,7 @@
               <a:rPr lang="en-US" dirty="0"/>
               <a:t>Fourth level</a:t>
             </a:r>
+            <a:endParaRPr lang="en-US" dirty="0"/>
           </a:p>
           <a:p>
             <a:pPr lvl="4"/>
@@ -1037,6 +1534,7 @@
               <a:rPr lang="en-US" dirty="0"/>
               <a:t>Fifth level</a:t>
             </a:r>
+            <a:endParaRPr lang="en-US" dirty="0"/>
           </a:p>
         </p:txBody>
       </p:sp>
@@ -1062,6 +1560,7 @@
               <a:rPr lang="en-US" dirty="0"/>
               <a:t>Copyright © 2017 Elephant Scale. All rights reserved.</a:t>
             </a:r>
+            <a:endParaRPr lang="en-US" dirty="0"/>
           </a:p>
         </p:txBody>
       </p:sp>
@@ -1085,10 +1584,6 @@
             </a:pPr>
             <a:fld id="{77EF9825-4C23-4085-A4E3-B5565466BD91}" type="slidenum">
               <a:rPr lang="en-US" smtClean="0"/>
-              <a:pPr>
-                <a:defRPr/>
-              </a:pPr>
-              <a:t>‹#›</a:t>
             </a:fld>
             <a:endParaRPr lang="en-US" dirty="0"/>
           </a:p>
@@ -1143,6 +1638,7 @@
               <a:rPr lang="en-US"/>
               <a:t>Click to edit Master title style</a:t>
             </a:r>
+            <a:endParaRPr lang="en-US"/>
           </a:p>
         </p:txBody>
       </p:sp>
@@ -1171,6 +1667,7 @@
               <a:rPr lang="en-US"/>
               <a:t>Click to edit Master text styles</a:t>
             </a:r>
+            <a:endParaRPr lang="en-US"/>
           </a:p>
           <a:p>
             <a:pPr lvl="1"/>
@@ -1178,6 +1675,7 @@
               <a:rPr lang="en-US"/>
               <a:t>Second level</a:t>
             </a:r>
+            <a:endParaRPr lang="en-US"/>
           </a:p>
           <a:p>
             <a:pPr lvl="2"/>
@@ -1185,6 +1683,7 @@
               <a:rPr lang="en-US"/>
               <a:t>Third level</a:t>
             </a:r>
+            <a:endParaRPr lang="en-US"/>
           </a:p>
           <a:p>
             <a:pPr lvl="3"/>
@@ -1192,6 +1691,7 @@
               <a:rPr lang="en-US"/>
               <a:t>Fourth level</a:t>
             </a:r>
+            <a:endParaRPr lang="en-US"/>
           </a:p>
           <a:p>
             <a:pPr lvl="4"/>
@@ -1199,6 +1699,7 @@
               <a:rPr lang="en-US"/>
               <a:t>Fifth level</a:t>
             </a:r>
+            <a:endParaRPr lang="en-US"/>
           </a:p>
         </p:txBody>
       </p:sp>
@@ -1227,6 +1728,7 @@
               <a:rPr lang="en-US"/>
               <a:t>Click to edit Master text styles</a:t>
             </a:r>
+            <a:endParaRPr lang="en-US"/>
           </a:p>
           <a:p>
             <a:pPr lvl="1"/>
@@ -1234,6 +1736,7 @@
               <a:rPr lang="en-US"/>
               <a:t>Second level</a:t>
             </a:r>
+            <a:endParaRPr lang="en-US"/>
           </a:p>
           <a:p>
             <a:pPr lvl="2"/>
@@ -1241,6 +1744,7 @@
               <a:rPr lang="en-US"/>
               <a:t>Third level</a:t>
             </a:r>
+            <a:endParaRPr lang="en-US"/>
           </a:p>
           <a:p>
             <a:pPr lvl="3"/>
@@ -1248,6 +1752,7 @@
               <a:rPr lang="en-US"/>
               <a:t>Fourth level</a:t>
             </a:r>
+            <a:endParaRPr lang="en-US"/>
           </a:p>
           <a:p>
             <a:pPr lvl="4"/>
@@ -1255,6 +1760,7 @@
               <a:rPr lang="en-US"/>
               <a:t>Fifth level</a:t>
             </a:r>
+            <a:endParaRPr lang="en-US"/>
           </a:p>
         </p:txBody>
       </p:sp>
@@ -1283,6 +1789,7 @@
               <a:rPr lang="en-US"/>
               <a:t>Click to edit Master text styles</a:t>
             </a:r>
+            <a:endParaRPr lang="en-US"/>
           </a:p>
           <a:p>
             <a:pPr lvl="1"/>
@@ -1290,6 +1797,7 @@
               <a:rPr lang="en-US"/>
               <a:t>Second level</a:t>
             </a:r>
+            <a:endParaRPr lang="en-US"/>
           </a:p>
           <a:p>
             <a:pPr lvl="2"/>
@@ -1297,6 +1805,7 @@
               <a:rPr lang="en-US"/>
               <a:t>Third level</a:t>
             </a:r>
+            <a:endParaRPr lang="en-US"/>
           </a:p>
           <a:p>
             <a:pPr lvl="3"/>
@@ -1304,6 +1813,7 @@
               <a:rPr lang="en-US"/>
               <a:t>Fourth level</a:t>
             </a:r>
+            <a:endParaRPr lang="en-US"/>
           </a:p>
           <a:p>
             <a:pPr lvl="4"/>
@@ -1311,6 +1821,7 @@
               <a:rPr lang="en-US"/>
               <a:t>Fifth level</a:t>
             </a:r>
+            <a:endParaRPr lang="en-US"/>
           </a:p>
         </p:txBody>
       </p:sp>
@@ -1324,9 +1835,7 @@
             <p:ph type="sldNum" sz="quarter" idx="11"/>
           </p:nvPr>
         </p:nvSpPr>
-        <p:spPr>
-          <a:ln/>
-        </p:spPr>
+        <p:spPr/>
         <p:txBody>
           <a:bodyPr/>
           <a:lstStyle>
@@ -1340,10 +1849,6 @@
             </a:pPr>
             <a:fld id="{040E4B02-67B9-4228-B08B-2561CEE6B946}" type="slidenum">
               <a:rPr lang="en-US"/>
-              <a:pPr>
-                <a:defRPr/>
-              </a:pPr>
-              <a:t>‹#›</a:t>
             </a:fld>
             <a:endParaRPr lang="en-US" dirty="0"/>
           </a:p>
@@ -1359,9 +1864,7 @@
             <p:ph type="ftr" sz="quarter" idx="12"/>
           </p:nvPr>
         </p:nvSpPr>
-        <p:spPr>
-          <a:ln/>
-        </p:spPr>
+        <p:spPr/>
         <p:txBody>
           <a:bodyPr/>
           <a:lstStyle>
@@ -1377,6 +1880,7 @@
               <a:rPr lang="en-US" dirty="0"/>
               <a:t>Copyright © 2017 Elephant Scale. All rights reserved.</a:t>
             </a:r>
+            <a:endParaRPr lang="en-US" dirty="0"/>
           </a:p>
         </p:txBody>
       </p:sp>
@@ -1429,6 +1933,7 @@
               <a:rPr lang="en-US"/>
               <a:t>Click to edit Master title style</a:t>
             </a:r>
+            <a:endParaRPr lang="en-US"/>
           </a:p>
         </p:txBody>
       </p:sp>
@@ -1457,6 +1962,7 @@
               <a:rPr lang="en-US"/>
               <a:t>Click to edit Master text styles</a:t>
             </a:r>
+            <a:endParaRPr lang="en-US"/>
           </a:p>
           <a:p>
             <a:pPr lvl="1"/>
@@ -1464,6 +1970,7 @@
               <a:rPr lang="en-US"/>
               <a:t>Second level</a:t>
             </a:r>
+            <a:endParaRPr lang="en-US"/>
           </a:p>
           <a:p>
             <a:pPr lvl="2"/>
@@ -1471,6 +1978,7 @@
               <a:rPr lang="en-US"/>
               <a:t>Third level</a:t>
             </a:r>
+            <a:endParaRPr lang="en-US"/>
           </a:p>
           <a:p>
             <a:pPr lvl="3"/>
@@ -1478,6 +1986,7 @@
               <a:rPr lang="en-US"/>
               <a:t>Fourth level</a:t>
             </a:r>
+            <a:endParaRPr lang="en-US"/>
           </a:p>
           <a:p>
             <a:pPr lvl="4"/>
@@ -1485,6 +1994,7 @@
               <a:rPr lang="en-US"/>
               <a:t>Fifth level</a:t>
             </a:r>
+            <a:endParaRPr lang="en-US"/>
           </a:p>
         </p:txBody>
       </p:sp>
@@ -1513,6 +2023,7 @@
               <a:rPr lang="en-US"/>
               <a:t>Click to edit Master text styles</a:t>
             </a:r>
+            <a:endParaRPr lang="en-US"/>
           </a:p>
           <a:p>
             <a:pPr lvl="1"/>
@@ -1520,6 +2031,7 @@
               <a:rPr lang="en-US"/>
               <a:t>Second level</a:t>
             </a:r>
+            <a:endParaRPr lang="en-US"/>
           </a:p>
           <a:p>
             <a:pPr lvl="2"/>
@@ -1527,6 +2039,7 @@
               <a:rPr lang="en-US"/>
               <a:t>Third level</a:t>
             </a:r>
+            <a:endParaRPr lang="en-US"/>
           </a:p>
           <a:p>
             <a:pPr lvl="3"/>
@@ -1534,6 +2047,7 @@
               <a:rPr lang="en-US"/>
               <a:t>Fourth level</a:t>
             </a:r>
+            <a:endParaRPr lang="en-US"/>
           </a:p>
           <a:p>
             <a:pPr lvl="4"/>
@@ -1541,6 +2055,7 @@
               <a:rPr lang="en-US"/>
               <a:t>Fifth level</a:t>
             </a:r>
+            <a:endParaRPr lang="en-US"/>
           </a:p>
         </p:txBody>
       </p:sp>
@@ -1554,9 +2069,7 @@
             <p:ph type="sldNum" sz="quarter" idx="11"/>
           </p:nvPr>
         </p:nvSpPr>
-        <p:spPr>
-          <a:ln/>
-        </p:spPr>
+        <p:spPr/>
         <p:txBody>
           <a:bodyPr/>
           <a:lstStyle>
@@ -1570,10 +2083,6 @@
             </a:pPr>
             <a:fld id="{A86CC632-9864-46F1-8EAB-FCD3BB9CEC9A}" type="slidenum">
               <a:rPr lang="en-US"/>
-              <a:pPr>
-                <a:defRPr/>
-              </a:pPr>
-              <a:t>‹#›</a:t>
             </a:fld>
             <a:endParaRPr lang="en-US" dirty="0"/>
           </a:p>
@@ -1589,9 +2098,7 @@
             <p:ph type="ftr" sz="quarter" idx="12"/>
           </p:nvPr>
         </p:nvSpPr>
-        <p:spPr>
-          <a:ln/>
-        </p:spPr>
+        <p:spPr/>
         <p:txBody>
           <a:bodyPr/>
           <a:lstStyle>
@@ -1607,6 +2114,7 @@
               <a:rPr lang="en-US" dirty="0"/>
               <a:t>Copyright © 2017 Elephant Scale. All rights reserved.</a:t>
             </a:r>
+            <a:endParaRPr lang="en-US" dirty="0"/>
           </a:p>
         </p:txBody>
       </p:sp>
@@ -1665,15 +2173,10 @@
           <a:ln w="9525">
             <a:noFill/>
             <a:miter lim="800000"/>
-            <a:headEnd/>
-            <a:tailEnd/>
           </a:ln>
         </p:spPr>
         <p:txBody>
           <a:bodyPr vert="horz" wrap="square" lIns="92007" tIns="46005" rIns="92007" bIns="46005" numCol="1" anchor="t" anchorCtr="0" compatLnSpc="1">
-            <a:prstTxWarp prst="textNoShape">
-              <a:avLst/>
-            </a:prstTxWarp>
             <a:normAutofit/>
           </a:bodyPr>
           <a:lstStyle/>
@@ -1683,6 +2186,7 @@
               <a:rPr lang="en-US" dirty="0"/>
               <a:t>Click to edit Master text styles</a:t>
             </a:r>
+            <a:endParaRPr lang="en-US" dirty="0"/>
           </a:p>
           <a:p>
             <a:pPr lvl="1"/>
@@ -1690,6 +2194,7 @@
               <a:rPr lang="en-US" dirty="0"/>
               <a:t>Second level</a:t>
             </a:r>
+            <a:endParaRPr lang="en-US" dirty="0"/>
           </a:p>
           <a:p>
             <a:pPr lvl="2"/>
@@ -1697,6 +2202,7 @@
               <a:rPr lang="en-US" dirty="0"/>
               <a:t>Third level</a:t>
             </a:r>
+            <a:endParaRPr lang="en-US" dirty="0"/>
           </a:p>
           <a:p>
             <a:pPr lvl="3"/>
@@ -1704,6 +2210,7 @@
               <a:rPr lang="en-US" dirty="0"/>
               <a:t>Fourth level</a:t>
             </a:r>
+            <a:endParaRPr lang="en-US" dirty="0"/>
           </a:p>
           <a:p>
             <a:pPr lvl="4"/>
@@ -1711,6 +2218,7 @@
               <a:rPr lang="en-US" dirty="0"/>
               <a:t>Fifth level</a:t>
             </a:r>
+            <a:endParaRPr lang="en-US" dirty="0"/>
           </a:p>
         </p:txBody>
       </p:sp>
@@ -1736,26 +2244,20 @@
           <a:ln w="9525">
             <a:noFill/>
             <a:miter lim="800000"/>
-            <a:headEnd/>
-            <a:tailEnd/>
           </a:ln>
           <a:effectLst/>
         </p:spPr>
         <p:txBody>
-          <a:bodyPr vert="horz" wrap="square" lIns="0" tIns="0" rIns="0" bIns="0" numCol="1" anchor="b" anchorCtr="0" compatLnSpc="1">
-            <a:prstTxWarp prst="textNoShape">
-              <a:avLst/>
-            </a:prstTxWarp>
-          </a:bodyPr>
+          <a:bodyPr vert="horz" wrap="square" lIns="0" tIns="0" rIns="0" bIns="0" numCol="1" anchor="b" anchorCtr="0" compatLnSpc="1"/>
           <a:lstStyle>
             <a:lvl1pPr algn="r" eaLnBrk="0" hangingPunct="0">
               <a:defRPr b="1">
                 <a:solidFill>
                   <a:srgbClr val="000000"/>
                 </a:solidFill>
-                <a:latin typeface="Arial" charset="0"/>
-                <a:ea typeface="ＭＳ Ｐゴシック" charset="0"/>
-                <a:cs typeface="ＭＳ Ｐゴシック" charset="0"/>
+                <a:latin typeface="Arial" panose="020B0604020202020204" pitchFamily="34" charset="0"/>
+                <a:ea typeface="MS PGothic" charset="0"/>
+                <a:cs typeface="MS PGothic" charset="0"/>
               </a:defRPr>
             </a:lvl1pPr>
           </a:lstStyle>
@@ -1765,10 +2267,6 @@
             </a:pPr>
             <a:fld id="{77EF9825-4C23-4085-A4E3-B5565466BD91}" type="slidenum">
               <a:rPr lang="en-US"/>
-              <a:pPr>
-                <a:defRPr/>
-              </a:pPr>
-              <a:t>‹#›</a:t>
             </a:fld>
             <a:endParaRPr lang="en-US" dirty="0"/>
           </a:p>
@@ -1796,16 +2294,11 @@
           <a:ln w="9525">
             <a:noFill/>
             <a:miter lim="800000"/>
-            <a:headEnd/>
-            <a:tailEnd/>
           </a:ln>
           <a:effectLst/>
         </p:spPr>
         <p:txBody>
           <a:bodyPr vert="horz" wrap="square" lIns="0" tIns="0" rIns="0" bIns="0" numCol="1" anchor="t" anchorCtr="0" compatLnSpc="1">
-            <a:prstTxWarp prst="textNoShape">
-              <a:avLst/>
-            </a:prstTxWarp>
             <a:spAutoFit/>
           </a:bodyPr>
           <a:lstStyle>
@@ -1831,6 +2324,7 @@
               <a:rPr lang="en-US" dirty="0"/>
               <a:t>Copyright © 2017 Elephant Scale. All rights reserved.</a:t>
             </a:r>
+            <a:endParaRPr lang="en-US" dirty="0"/>
           </a:p>
         </p:txBody>
       </p:sp>
@@ -1843,7 +2337,7 @@
           <p:nvPr/>
         </p:nvPicPr>
         <p:blipFill>
-          <a:blip r:embed="rId6"/>
+          <a:blip r:embed="rId5"/>
           <a:srcRect/>
           <a:stretch>
             <a:fillRect/>
@@ -1890,16 +2384,10 @@
           <a:ln w="9525">
             <a:noFill/>
             <a:miter lim="800000"/>
-            <a:headEnd/>
-            <a:tailEnd/>
           </a:ln>
         </p:spPr>
         <p:txBody>
-          <a:bodyPr vert="horz" wrap="square" lIns="92007" tIns="46005" rIns="92007" bIns="46005" numCol="1" anchor="b" anchorCtr="0" compatLnSpc="1">
-            <a:prstTxWarp prst="textNoShape">
-              <a:avLst/>
-            </a:prstTxWarp>
-          </a:bodyPr>
+          <a:bodyPr vert="horz" wrap="square" lIns="92007" tIns="46005" rIns="92007" bIns="46005" numCol="1" anchor="b" anchorCtr="0" compatLnSpc="1"/>
           <a:lstStyle/>
           <a:p>
             <a:pPr lvl="0"/>
@@ -1907,6 +2395,7 @@
               <a:rPr lang="en-US" dirty="0"/>
               <a:t>Click to edit Master title style</a:t>
             </a:r>
+            <a:endParaRPr lang="en-US" dirty="0"/>
           </a:p>
         </p:txBody>
       </p:sp>
@@ -1914,10 +2403,10 @@
   </p:cSld>
   <p:clrMap bg1="dk2" tx1="lt1" bg2="dk1" tx2="lt2" accent1="accent1" accent2="accent2" accent3="accent3" accent4="accent4" accent5="accent5" accent6="accent6" hlink="hlink" folHlink="folHlink"/>
   <p:sldLayoutIdLst>
-    <p:sldLayoutId id="2147483656" r:id="rId1"/>
-    <p:sldLayoutId id="2147483655" r:id="rId2"/>
-    <p:sldLayoutId id="2147483654" r:id="rId3"/>
-    <p:sldLayoutId id="2147483653" r:id="rId4"/>
+    <p:sldLayoutId id="2147483649" r:id="rId1"/>
+    <p:sldLayoutId id="2147483650" r:id="rId2"/>
+    <p:sldLayoutId id="2147483651" r:id="rId3"/>
+    <p:sldLayoutId id="2147483652" r:id="rId4"/>
   </p:sldLayoutIdLst>
   <p:hf hdr="0" dt="0"/>
   <p:txStyles>
@@ -1934,8 +2423,8 @@
             <a:schemeClr val="tx1"/>
           </a:solidFill>
           <a:latin typeface="+mj-lt"/>
-          <a:ea typeface="ＭＳ Ｐゴシック" pitchFamily="-110" charset="-128"/>
-          <a:cs typeface="ＭＳ Ｐゴシック" pitchFamily="-110" charset="-128"/>
+          <a:ea typeface="MS PGothic" pitchFamily="-110" charset="-128"/>
+          <a:cs typeface="MS PGothic" pitchFamily="-110" charset="-128"/>
         </a:defRPr>
       </a:lvl1pPr>
       <a:lvl2pPr algn="l" rtl="0" eaLnBrk="0" fontAlgn="base" hangingPunct="0">
@@ -1949,9 +2438,9 @@
           <a:solidFill>
             <a:schemeClr val="tx1"/>
           </a:solidFill>
-          <a:latin typeface="Verdana" pitchFamily="-110" charset="0"/>
-          <a:ea typeface="ＭＳ Ｐゴシック" pitchFamily="-110" charset="-128"/>
-          <a:cs typeface="ＭＳ Ｐゴシック" pitchFamily="-110" charset="-128"/>
+          <a:latin typeface="Verdana" panose="020B0604030504040204" pitchFamily="-110" charset="0"/>
+          <a:ea typeface="MS PGothic" pitchFamily="-110" charset="-128"/>
+          <a:cs typeface="MS PGothic" pitchFamily="-110" charset="-128"/>
         </a:defRPr>
       </a:lvl2pPr>
       <a:lvl3pPr algn="l" rtl="0" eaLnBrk="0" fontAlgn="base" hangingPunct="0">
@@ -1965,9 +2454,9 @@
           <a:solidFill>
             <a:schemeClr val="tx1"/>
           </a:solidFill>
-          <a:latin typeface="Verdana" pitchFamily="-110" charset="0"/>
-          <a:ea typeface="ＭＳ Ｐゴシック" pitchFamily="-110" charset="-128"/>
-          <a:cs typeface="ＭＳ Ｐゴシック" pitchFamily="-110" charset="-128"/>
+          <a:latin typeface="Verdana" panose="020B0604030504040204" pitchFamily="-110" charset="0"/>
+          <a:ea typeface="MS PGothic" pitchFamily="-110" charset="-128"/>
+          <a:cs typeface="MS PGothic" pitchFamily="-110" charset="-128"/>
         </a:defRPr>
       </a:lvl3pPr>
       <a:lvl4pPr algn="l" rtl="0" eaLnBrk="0" fontAlgn="base" hangingPunct="0">
@@ -1981,9 +2470,9 @@
           <a:solidFill>
             <a:schemeClr val="tx1"/>
           </a:solidFill>
-          <a:latin typeface="Verdana" pitchFamily="-110" charset="0"/>
-          <a:ea typeface="ＭＳ Ｐゴシック" pitchFamily="-110" charset="-128"/>
-          <a:cs typeface="ＭＳ Ｐゴシック" pitchFamily="-110" charset="-128"/>
+          <a:latin typeface="Verdana" panose="020B0604030504040204" pitchFamily="-110" charset="0"/>
+          <a:ea typeface="MS PGothic" pitchFamily="-110" charset="-128"/>
+          <a:cs typeface="MS PGothic" pitchFamily="-110" charset="-128"/>
         </a:defRPr>
       </a:lvl4pPr>
       <a:lvl5pPr algn="l" rtl="0" eaLnBrk="0" fontAlgn="base" hangingPunct="0">
@@ -1997,9 +2486,9 @@
           <a:solidFill>
             <a:schemeClr val="tx1"/>
           </a:solidFill>
-          <a:latin typeface="Verdana" pitchFamily="-110" charset="0"/>
-          <a:ea typeface="ＭＳ Ｐゴシック" pitchFamily="-110" charset="-128"/>
-          <a:cs typeface="ＭＳ Ｐゴシック" pitchFamily="-110" charset="-128"/>
+          <a:latin typeface="Verdana" panose="020B0604030504040204" pitchFamily="-110" charset="0"/>
+          <a:ea typeface="MS PGothic" pitchFamily="-110" charset="-128"/>
+          <a:cs typeface="MS PGothic" pitchFamily="-110" charset="-128"/>
         </a:defRPr>
       </a:lvl5pPr>
       <a:lvl6pPr marL="457200" algn="l" rtl="0" eaLnBrk="0" fontAlgn="base" hangingPunct="0">
@@ -2013,7 +2502,7 @@
           <a:solidFill>
             <a:schemeClr val="tx1"/>
           </a:solidFill>
-          <a:latin typeface="Verdana" pitchFamily="-110" charset="0"/>
+          <a:latin typeface="Verdana" panose="020B0604030504040204" pitchFamily="-110" charset="0"/>
         </a:defRPr>
       </a:lvl6pPr>
       <a:lvl7pPr marL="914400" algn="l" rtl="0" eaLnBrk="0" fontAlgn="base" hangingPunct="0">
@@ -2027,7 +2516,7 @@
           <a:solidFill>
             <a:schemeClr val="tx1"/>
           </a:solidFill>
-          <a:latin typeface="Verdana" pitchFamily="-110" charset="0"/>
+          <a:latin typeface="Verdana" panose="020B0604030504040204" pitchFamily="-110" charset="0"/>
         </a:defRPr>
       </a:lvl7pPr>
       <a:lvl8pPr marL="1371600" algn="l" rtl="0" eaLnBrk="0" fontAlgn="base" hangingPunct="0">
@@ -2041,7 +2530,7 @@
           <a:solidFill>
             <a:schemeClr val="tx1"/>
           </a:solidFill>
-          <a:latin typeface="Verdana" pitchFamily="-110" charset="0"/>
+          <a:latin typeface="Verdana" panose="020B0604030504040204" pitchFamily="-110" charset="0"/>
         </a:defRPr>
       </a:lvl8pPr>
       <a:lvl9pPr marL="1828800" algn="l" rtl="0" eaLnBrk="0" fontAlgn="base" hangingPunct="0">
@@ -2055,12 +2544,12 @@
           <a:solidFill>
             <a:schemeClr val="tx1"/>
           </a:solidFill>
-          <a:latin typeface="Verdana" pitchFamily="-110" charset="0"/>
+          <a:latin typeface="Verdana" panose="020B0604030504040204" pitchFamily="-110" charset="0"/>
         </a:defRPr>
       </a:lvl9pPr>
     </p:titleStyle>
     <p:bodyStyle>
-      <a:lvl1pPr marL="290513" indent="-290513" algn="l" rtl="0" eaLnBrk="0" fontAlgn="base" hangingPunct="0">
+      <a:lvl1pPr marL="290830" indent="-290830" algn="l" rtl="0" eaLnBrk="0" fontAlgn="base" hangingPunct="0">
         <a:spcBef>
           <a:spcPct val="20000"/>
         </a:spcBef>
@@ -2071,18 +2560,18 @@
           <a:schemeClr val="tx2"/>
         </a:buClr>
         <a:buSzPct val="65000"/>
-        <a:buFont typeface="Wingdings" pitchFamily="2" charset="2"/>
+        <a:buFont typeface="Wingdings" panose="05000000000000000000" pitchFamily="2" charset="2"/>
         <a:buChar char=""/>
         <a:defRPr sz="2400">
           <a:solidFill>
             <a:srgbClr val="000000"/>
           </a:solidFill>
           <a:latin typeface="+mn-lt"/>
-          <a:ea typeface="ＭＳ Ｐゴシック" pitchFamily="-110" charset="-128"/>
-          <a:cs typeface="ＭＳ Ｐゴシック" pitchFamily="-110" charset="-128"/>
+          <a:ea typeface="MS PGothic" pitchFamily="-110" charset="-128"/>
+          <a:cs typeface="MS PGothic" pitchFamily="-110" charset="-128"/>
         </a:defRPr>
       </a:lvl1pPr>
-      <a:lvl2pPr marL="633413" indent="-228600" algn="l" rtl="0" eaLnBrk="0" fontAlgn="base" hangingPunct="0">
+      <a:lvl2pPr marL="633730" indent="-228600" algn="l" rtl="0" eaLnBrk="0" fontAlgn="base" hangingPunct="0">
         <a:spcBef>
           <a:spcPct val="20000"/>
         </a:spcBef>
@@ -2098,11 +2587,11 @@
             <a:srgbClr val="000000"/>
           </a:solidFill>
           <a:latin typeface="+mn-lt"/>
-          <a:ea typeface="ＭＳ Ｐゴシック" pitchFamily="-110" charset="-128"/>
-          <a:cs typeface="ＭＳ Ｐゴシック"/>
+          <a:ea typeface="MS PGothic" pitchFamily="-110" charset="-128"/>
+          <a:cs typeface="MS PGothic"/>
         </a:defRPr>
       </a:lvl2pPr>
-      <a:lvl3pPr marL="969963" indent="-222250" algn="l" rtl="0" eaLnBrk="0" fontAlgn="base" hangingPunct="0">
+      <a:lvl3pPr marL="970280" indent="-222250" algn="l" rtl="0" eaLnBrk="0" fontAlgn="base" hangingPunct="0">
         <a:spcBef>
           <a:spcPct val="20000"/>
         </a:spcBef>
@@ -2115,11 +2604,11 @@
             <a:srgbClr val="000000"/>
           </a:solidFill>
           <a:latin typeface="+mn-lt"/>
-          <a:ea typeface="ＭＳ Ｐゴシック" pitchFamily="-110" charset="-128"/>
-          <a:cs typeface="ＭＳ Ｐゴシック"/>
+          <a:ea typeface="MS PGothic" pitchFamily="-110" charset="-128"/>
+          <a:cs typeface="MS PGothic"/>
         </a:defRPr>
       </a:lvl3pPr>
-      <a:lvl4pPr marL="1258888" indent="-228600" algn="l" rtl="0" eaLnBrk="0" fontAlgn="base" hangingPunct="0">
+      <a:lvl4pPr marL="1259205" indent="-228600" algn="l" rtl="0" eaLnBrk="0" fontAlgn="base" hangingPunct="0">
         <a:spcBef>
           <a:spcPct val="0"/>
         </a:spcBef>
@@ -2137,11 +2626,11 @@
             <a:srgbClr val="000000"/>
           </a:solidFill>
           <a:latin typeface="+mn-lt"/>
-          <a:ea typeface="ＭＳ Ｐゴシック" pitchFamily="-110" charset="-128"/>
-          <a:cs typeface="ＭＳ Ｐゴシック"/>
+          <a:ea typeface="MS PGothic" pitchFamily="-110" charset="-128"/>
+          <a:cs typeface="MS PGothic"/>
         </a:defRPr>
       </a:lvl4pPr>
-      <a:lvl5pPr marL="2055813" indent="-230188" algn="l" rtl="0" eaLnBrk="0" fontAlgn="base" hangingPunct="0">
+      <a:lvl5pPr marL="2056130" indent="-230505" algn="l" rtl="0" eaLnBrk="0" fontAlgn="base" hangingPunct="0">
         <a:spcBef>
           <a:spcPct val="20000"/>
         </a:spcBef>
@@ -2155,12 +2644,12 @@
           <a:solidFill>
             <a:schemeClr val="tx1"/>
           </a:solidFill>
-          <a:latin typeface="Times New Roman" pitchFamily="-110" charset="0"/>
-          <a:ea typeface="ＭＳ Ｐゴシック" pitchFamily="-110" charset="-128"/>
-          <a:cs typeface="ＭＳ Ｐゴシック"/>
+          <a:latin typeface="Times New Roman" panose="02020603050405020304" pitchFamily="-110" charset="0"/>
+          <a:ea typeface="MS PGothic" pitchFamily="-110" charset="-128"/>
+          <a:cs typeface="MS PGothic"/>
         </a:defRPr>
       </a:lvl5pPr>
-      <a:lvl6pPr marL="2513013" indent="-230188" algn="l" rtl="0" eaLnBrk="0" fontAlgn="base" hangingPunct="0">
+      <a:lvl6pPr marL="2513330" indent="-230505" algn="l" rtl="0" eaLnBrk="0" fontAlgn="base" hangingPunct="0">
         <a:spcBef>
           <a:spcPct val="20000"/>
         </a:spcBef>
@@ -2174,11 +2663,11 @@
           <a:solidFill>
             <a:schemeClr val="tx1"/>
           </a:solidFill>
-          <a:latin typeface="Times New Roman" pitchFamily="-110" charset="0"/>
-          <a:ea typeface="ＭＳ Ｐゴシック" pitchFamily="-110" charset="-128"/>
+          <a:latin typeface="Times New Roman" panose="02020603050405020304" pitchFamily="-110" charset="0"/>
+          <a:ea typeface="MS PGothic" pitchFamily="-110" charset="-128"/>
         </a:defRPr>
       </a:lvl6pPr>
-      <a:lvl7pPr marL="2970213" indent="-230188" algn="l" rtl="0" eaLnBrk="0" fontAlgn="base" hangingPunct="0">
+      <a:lvl7pPr marL="2970530" indent="-230505" algn="l" rtl="0" eaLnBrk="0" fontAlgn="base" hangingPunct="0">
         <a:spcBef>
           <a:spcPct val="20000"/>
         </a:spcBef>
@@ -2192,11 +2681,11 @@
           <a:solidFill>
             <a:schemeClr val="tx1"/>
           </a:solidFill>
-          <a:latin typeface="Times New Roman" pitchFamily="-110" charset="0"/>
-          <a:ea typeface="ＭＳ Ｐゴシック" pitchFamily="-110" charset="-128"/>
+          <a:latin typeface="Times New Roman" panose="02020603050405020304" pitchFamily="-110" charset="0"/>
+          <a:ea typeface="MS PGothic" pitchFamily="-110" charset="-128"/>
         </a:defRPr>
       </a:lvl7pPr>
-      <a:lvl8pPr marL="3427413" indent="-230188" algn="l" rtl="0" eaLnBrk="0" fontAlgn="base" hangingPunct="0">
+      <a:lvl8pPr marL="3427730" indent="-230505" algn="l" rtl="0" eaLnBrk="0" fontAlgn="base" hangingPunct="0">
         <a:spcBef>
           <a:spcPct val="20000"/>
         </a:spcBef>
@@ -2210,11 +2699,11 @@
           <a:solidFill>
             <a:schemeClr val="tx1"/>
           </a:solidFill>
-          <a:latin typeface="Times New Roman" pitchFamily="-110" charset="0"/>
-          <a:ea typeface="ＭＳ Ｐゴシック" pitchFamily="-110" charset="-128"/>
+          <a:latin typeface="Times New Roman" panose="02020603050405020304" pitchFamily="-110" charset="0"/>
+          <a:ea typeface="MS PGothic" pitchFamily="-110" charset="-128"/>
         </a:defRPr>
       </a:lvl8pPr>
-      <a:lvl9pPr marL="3884613" indent="-230188" algn="l" rtl="0" eaLnBrk="0" fontAlgn="base" hangingPunct="0">
+      <a:lvl9pPr marL="3884930" indent="-230505" algn="l" rtl="0" eaLnBrk="0" fontAlgn="base" hangingPunct="0">
         <a:spcBef>
           <a:spcPct val="20000"/>
         </a:spcBef>
@@ -2228,8 +2717,8 @@
           <a:solidFill>
             <a:schemeClr val="tx1"/>
           </a:solidFill>
-          <a:latin typeface="Times New Roman" pitchFamily="-110" charset="0"/>
-          <a:ea typeface="ＭＳ Ｐゴシック" pitchFamily="-110" charset="-128"/>
+          <a:latin typeface="Times New Roman" panose="02020603050405020304" pitchFamily="-110" charset="0"/>
+          <a:ea typeface="MS PGothic" pitchFamily="-110" charset="-128"/>
         </a:defRPr>
       </a:lvl9pPr>
     </p:bodyStyle>
@@ -2341,14 +2830,7 @@
         <p:cNvGrpSpPr/>
         <p:nvPr/>
       </p:nvGrpSpPr>
-      <p:grpSpPr>
-        <a:xfrm>
-          <a:off x="0" y="0"/>
-          <a:ext cx="0" cy="0"/>
-          <a:chOff x="0" y="0"/>
-          <a:chExt cx="0" cy="0"/>
-        </a:xfrm>
-      </p:grpSpPr>
+      <p:grpSpPr/>
       <p:sp>
         <p:nvSpPr>
           <p:cNvPr id="2" name="Subtitle 1"/>
@@ -2363,9 +2845,7 @@
         <p:txBody>
           <a:bodyPr/>
           <a:lstStyle/>
-          <a:p>
-            <a:endParaRPr/>
-          </a:p>
+          <a:p/>
         </p:txBody>
       </p:sp>
       <p:sp>
@@ -2380,15 +2860,10 @@
         </p:nvSpPr>
         <p:spPr/>
         <p:txBody>
-          <a:bodyPr wrap="square">
-            <a:noAutofit/>
-          </a:bodyPr>
+          <a:bodyPr/>
           <a:lstStyle/>
           <a:p>
             <a:r>
-              <a:rPr sz="4200" b="1" i="0">
-                <a:latin typeface="Times New Roman"/>
-              </a:rPr>
               <a:t>OT Cybersecurity Overview</a:t>
             </a:r>
           </a:p>
@@ -2424,6 +2899,11 @@
               </a:rPr>
               <a:t>Copyright © 2021 by Elephant Scale, All Rights Reserved</a:t>
             </a:r>
+            <a:endParaRPr sz="800">
+              <a:solidFill>
+                <a:srgbClr val="000000"/>
+              </a:solidFill>
+            </a:endParaRPr>
           </a:p>
         </p:txBody>
       </p:sp>
@@ -2444,14 +2924,7 @@
         <p:cNvGrpSpPr/>
         <p:nvPr/>
       </p:nvGrpSpPr>
-      <p:grpSpPr>
-        <a:xfrm>
-          <a:off x="0" y="0"/>
-          <a:ext cx="0" cy="0"/>
-          <a:chOff x="0" y="0"/>
-          <a:chExt cx="0" cy="0"/>
-        </a:xfrm>
-      </p:grpSpPr>
+      <p:grpSpPr/>
       <p:sp>
         <p:nvSpPr>
           <p:cNvPr id="2" name="Title 1"/>
@@ -2521,27 +2994,13 @@
               <a:t> for protecting OT</a:t>
             </a:r>
           </a:p>
-          <a:p>
-            <a:endParaRPr/>
-          </a:p>
-          <a:p>
-            <a:endParaRPr/>
-          </a:p>
-          <a:p>
-            <a:endParaRPr/>
-          </a:p>
-          <a:p>
-            <a:endParaRPr/>
-          </a:p>
-          <a:p>
-            <a:endParaRPr/>
-          </a:p>
-          <a:p>
-            <a:endParaRPr/>
-          </a:p>
-          <a:p>
-            <a:endParaRPr/>
-          </a:p>
+          <a:p/>
+          <a:p/>
+          <a:p/>
+          <a:p/>
+          <a:p/>
+          <a:p/>
+          <a:p/>
         </p:txBody>
       </p:sp>
       <p:sp>
@@ -2574,6 +3033,11 @@
               </a:rPr>
               <a:t>Copyright © 2021 by Elephant Scale, All Rights Reserved</a:t>
             </a:r>
+            <a:endParaRPr sz="800">
+              <a:solidFill>
+                <a:srgbClr val="000000"/>
+              </a:solidFill>
+            </a:endParaRPr>
           </a:p>
         </p:txBody>
       </p:sp>
@@ -2586,21 +3050,839 @@
           <p:nvPr/>
         </p:nvPicPr>
         <p:blipFill>
-          <a:blip r:embed="rId3"/>
+          <a:blip r:embed="rId1"/>
           <a:stretch>
             <a:fillRect/>
           </a:stretch>
         </p:blipFill>
         <p:spPr>
           <a:xfrm>
-            <a:off x="952500" y="4029909"/>
-            <a:ext cx="6725412" cy="3765735"/>
+            <a:off x="1028700" y="3920490"/>
+            <a:ext cx="7130415" cy="3992880"/>
           </a:xfrm>
           <a:prstGeom prst="rect">
             <a:avLst/>
           </a:prstGeom>
         </p:spPr>
       </p:pic>
+    </p:spTree>
+  </p:cSld>
+  <p:clrMapOvr>
+    <a:masterClrMapping/>
+  </p:clrMapOvr>
+</p:sld>
+</file>
+
+<file path=ppt/slides/slide3.xml><?xml version="1.0" encoding="utf-8"?>
+<p:sld xmlns:a="http://schemas.openxmlformats.org/drawingml/2006/main" xmlns:r="http://schemas.openxmlformats.org/officeDocument/2006/relationships" xmlns:p="http://schemas.openxmlformats.org/presentationml/2006/main">
+  <p:cSld>
+    <p:spTree>
+      <p:nvGrpSpPr>
+        <p:cNvPr id="1" name=""/>
+        <p:cNvGrpSpPr/>
+        <p:nvPr/>
+      </p:nvGrpSpPr>
+      <p:grpSpPr/>
+      <p:sp>
+        <p:nvSpPr>
+          <p:cNvPr id="2" name="Title 1"/>
+          <p:cNvSpPr>
+            <a:spLocks noGrp="1"/>
+          </p:cNvSpPr>
+          <p:nvPr>
+            <p:ph type="title"/>
+          </p:nvPr>
+        </p:nvSpPr>
+        <p:spPr/>
+        <p:txBody>
+          <a:bodyPr/>
+          <a:lstStyle/>
+          <a:p>
+            <a:r>
+              <a:t>OT security</a:t>
+            </a:r>
+          </a:p>
+        </p:txBody>
+      </p:sp>
+      <p:sp>
+        <p:nvSpPr>
+          <p:cNvPr id="3" name="Content Placeholder 2"/>
+          <p:cNvSpPr>
+            <a:spLocks noGrp="1"/>
+          </p:cNvSpPr>
+          <p:nvPr>
+            <p:ph idx="1"/>
+          </p:nvPr>
+        </p:nvSpPr>
+        <p:spPr/>
+        <p:txBody>
+          <a:bodyPr/>
+          <a:lstStyle/>
+          <a:p>
+            <a:r>
+              <a:t> What is Operational Technology (OT) Cybersecurity?</a:t>
+            </a:r>
+          </a:p>
+          <a:p>
+            <a:r>
+              <a:t> Operational technology (OT) cybersecurity references</a:t>
+            </a:r>
+          </a:p>
+          <a:p>
+            <a:pPr lvl="1"/>
+            <a:r>
+              <a:t> software, hardware, practices, personnel, and services</a:t>
+            </a:r>
+          </a:p>
+          <a:p>
+            <a:pPr lvl="1"/>
+            <a:r>
+              <a:t> deployed to protect operational technology infrastructure, people, and data.</a:t>
+            </a:r>
+          </a:p>
+          <a:p>
+            <a:r>
+              <a:t> IT and OT converge to enable “big data”</a:t>
+            </a:r>
+          </a:p>
+        </p:txBody>
+      </p:sp>
+      <p:sp>
+        <p:nvSpPr>
+          <p:cNvPr id="4" name="TextBox 3"/>
+          <p:cNvSpPr txBox="1"/>
+          <p:nvPr/>
+        </p:nvSpPr>
+        <p:spPr>
+          <a:xfrm>
+            <a:off x="704088" y="8065008"/>
+            <a:ext cx="8915400" cy="228600"/>
+          </a:xfrm>
+          <a:prstGeom prst="rect">
+            <a:avLst/>
+          </a:prstGeom>
+          <a:noFill/>
+        </p:spPr>
+        <p:txBody>
+          <a:bodyPr wrap="none">
+            <a:spAutoFit/>
+          </a:bodyPr>
+          <a:lstStyle/>
+          <a:p>
+            <a:r>
+              <a:rPr sz="800">
+                <a:solidFill>
+                  <a:srgbClr val="000000"/>
+                </a:solidFill>
+              </a:rPr>
+              <a:t>Copyright © 2021 by Elephant Scale, All Rights Reserved</a:t>
+            </a:r>
+            <a:endParaRPr sz="800">
+              <a:solidFill>
+                <a:srgbClr val="000000"/>
+              </a:solidFill>
+            </a:endParaRPr>
+          </a:p>
+        </p:txBody>
+      </p:sp>
+    </p:spTree>
+  </p:cSld>
+  <p:clrMapOvr>
+    <a:masterClrMapping/>
+  </p:clrMapOvr>
+</p:sld>
+</file>
+
+<file path=ppt/slides/slide4.xml><?xml version="1.0" encoding="utf-8"?>
+<p:sld xmlns:a="http://schemas.openxmlformats.org/drawingml/2006/main" xmlns:r="http://schemas.openxmlformats.org/officeDocument/2006/relationships" xmlns:p="http://schemas.openxmlformats.org/presentationml/2006/main">
+  <p:cSld>
+    <p:spTree>
+      <p:nvGrpSpPr>
+        <p:cNvPr id="1" name=""/>
+        <p:cNvGrpSpPr/>
+        <p:nvPr/>
+      </p:nvGrpSpPr>
+      <p:grpSpPr/>
+      <p:sp>
+        <p:nvSpPr>
+          <p:cNvPr id="2" name="Title 1"/>
+          <p:cNvSpPr>
+            <a:spLocks noGrp="1"/>
+          </p:cNvSpPr>
+          <p:nvPr>
+            <p:ph type="title"/>
+          </p:nvPr>
+        </p:nvSpPr>
+        <p:spPr/>
+        <p:txBody>
+          <a:bodyPr/>
+          <a:lstStyle/>
+          <a:p>
+            <a:r>
+              <a:t>OT History</a:t>
+            </a:r>
+          </a:p>
+        </p:txBody>
+      </p:sp>
+      <p:sp>
+        <p:nvSpPr>
+          <p:cNvPr id="3" name="Content Placeholder 2"/>
+          <p:cNvSpPr>
+            <a:spLocks noGrp="1"/>
+          </p:cNvSpPr>
+          <p:nvPr>
+            <p:ph idx="1"/>
+          </p:nvPr>
+        </p:nvSpPr>
+        <p:spPr/>
+        <p:txBody>
+          <a:bodyPr/>
+          <a:lstStyle/>
+          <a:p>
+            <a:r>
+              <a:t> Third Industrial Revolution</a:t>
+            </a:r>
+          </a:p>
+          <a:p>
+            <a:pPr lvl="1"/>
+            <a:r>
+              <a:t> We are in it, going to Fourth</a:t>
+            </a:r>
+          </a:p>
+          <a:p>
+            <a:r>
+              <a:t> Programmable logic controller (PLC)</a:t>
+            </a:r>
+          </a:p>
+          <a:p>
+            <a:r>
+              <a:t> Control Systems</a:t>
+            </a:r>
+          </a:p>
+          <a:p/>
+          <a:p/>
+          <a:p/>
+          <a:p/>
+          <a:p/>
+          <a:p/>
+          <a:p/>
+          <a:p/>
+          <a:p/>
+          <a:p/>
+        </p:txBody>
+      </p:sp>
+      <p:sp>
+        <p:nvSpPr>
+          <p:cNvPr id="4" name="TextBox 3"/>
+          <p:cNvSpPr txBox="1"/>
+          <p:nvPr/>
+        </p:nvSpPr>
+        <p:spPr>
+          <a:xfrm>
+            <a:off x="704088" y="8065008"/>
+            <a:ext cx="8915400" cy="228600"/>
+          </a:xfrm>
+          <a:prstGeom prst="rect">
+            <a:avLst/>
+          </a:prstGeom>
+          <a:noFill/>
+        </p:spPr>
+        <p:txBody>
+          <a:bodyPr wrap="none">
+            <a:spAutoFit/>
+          </a:bodyPr>
+          <a:lstStyle/>
+          <a:p>
+            <a:r>
+              <a:rPr sz="800">
+                <a:solidFill>
+                  <a:srgbClr val="000000"/>
+                </a:solidFill>
+              </a:rPr>
+              <a:t>Copyright © 2021 by Elephant Scale, All Rights Reserved</a:t>
+            </a:r>
+            <a:endParaRPr sz="800">
+              <a:solidFill>
+                <a:srgbClr val="000000"/>
+              </a:solidFill>
+            </a:endParaRPr>
+          </a:p>
+        </p:txBody>
+      </p:sp>
+      <p:pic>
+        <p:nvPicPr>
+          <p:cNvPr id="5" name="Picture 4" descr="ot-01.png"/>
+          <p:cNvPicPr>
+            <a:picLocks noChangeAspect="1"/>
+          </p:cNvPicPr>
+          <p:nvPr/>
+        </p:nvPicPr>
+        <p:blipFill>
+          <a:blip r:embed="rId1"/>
+          <a:stretch>
+            <a:fillRect/>
+          </a:stretch>
+        </p:blipFill>
+        <p:spPr>
+          <a:xfrm>
+            <a:off x="723773" y="3234563"/>
+            <a:ext cx="3303078" cy="4187952"/>
+          </a:xfrm>
+          <a:prstGeom prst="rect">
+            <a:avLst/>
+          </a:prstGeom>
+        </p:spPr>
+      </p:pic>
+    </p:spTree>
+  </p:cSld>
+  <p:clrMapOvr>
+    <a:masterClrMapping/>
+  </p:clrMapOvr>
+</p:sld>
+</file>
+
+<file path=ppt/slides/slide5.xml><?xml version="1.0" encoding="utf-8"?>
+<p:sld xmlns:a="http://schemas.openxmlformats.org/drawingml/2006/main" xmlns:r="http://schemas.openxmlformats.org/officeDocument/2006/relationships" xmlns:p="http://schemas.openxmlformats.org/presentationml/2006/main">
+  <p:cSld>
+    <p:spTree>
+      <p:nvGrpSpPr>
+        <p:cNvPr id="1" name=""/>
+        <p:cNvGrpSpPr/>
+        <p:nvPr/>
+      </p:nvGrpSpPr>
+      <p:grpSpPr/>
+      <p:sp>
+        <p:nvSpPr>
+          <p:cNvPr id="2" name="Title 1"/>
+          <p:cNvSpPr>
+            <a:spLocks noGrp="1"/>
+          </p:cNvSpPr>
+          <p:nvPr>
+            <p:ph type="title"/>
+          </p:nvPr>
+        </p:nvSpPr>
+        <p:spPr/>
+        <p:txBody>
+          <a:bodyPr/>
+          <a:lstStyle/>
+          <a:p>
+            <a:r>
+              <a:t>SCADA</a:t>
+            </a:r>
+          </a:p>
+        </p:txBody>
+      </p:sp>
+      <p:sp>
+        <p:nvSpPr>
+          <p:cNvPr id="3" name="Content Placeholder 2"/>
+          <p:cNvSpPr>
+            <a:spLocks noGrp="1"/>
+          </p:cNvSpPr>
+          <p:nvPr>
+            <p:ph idx="1"/>
+          </p:nvPr>
+        </p:nvSpPr>
+        <p:spPr/>
+        <p:txBody>
+          <a:bodyPr/>
+          <a:lstStyle/>
+          <a:p>
+            <a:r>
+              <a:t> Supervisory Control and Data Acquisition (SCADA) Systems</a:t>
+            </a:r>
+          </a:p>
+          <a:p>
+            <a:r>
+              <a:t> Human-Machine Interface (HMI)</a:t>
+            </a:r>
+          </a:p>
+          <a:p>
+            <a:r>
+              <a:t> Distributed Control Systems (DCS)</a:t>
+            </a:r>
+          </a:p>
+          <a:p/>
+          <a:p/>
+          <a:p/>
+          <a:p/>
+          <a:p/>
+          <a:p/>
+          <a:p/>
+          <a:p/>
+          <a:p/>
+          <a:p/>
+        </p:txBody>
+      </p:sp>
+      <p:sp>
+        <p:nvSpPr>
+          <p:cNvPr id="4" name="TextBox 3"/>
+          <p:cNvSpPr txBox="1"/>
+          <p:nvPr/>
+        </p:nvSpPr>
+        <p:spPr>
+          <a:xfrm>
+            <a:off x="704088" y="8065008"/>
+            <a:ext cx="8915400" cy="228600"/>
+          </a:xfrm>
+          <a:prstGeom prst="rect">
+            <a:avLst/>
+          </a:prstGeom>
+          <a:noFill/>
+        </p:spPr>
+        <p:txBody>
+          <a:bodyPr wrap="none">
+            <a:spAutoFit/>
+          </a:bodyPr>
+          <a:lstStyle/>
+          <a:p>
+            <a:r>
+              <a:rPr sz="800">
+                <a:solidFill>
+                  <a:srgbClr val="000000"/>
+                </a:solidFill>
+              </a:rPr>
+              <a:t>Copyright © 2021 by Elephant Scale, All Rights Reserved</a:t>
+            </a:r>
+            <a:endParaRPr sz="800">
+              <a:solidFill>
+                <a:srgbClr val="000000"/>
+              </a:solidFill>
+            </a:endParaRPr>
+          </a:p>
+        </p:txBody>
+      </p:sp>
+      <p:pic>
+        <p:nvPicPr>
+          <p:cNvPr id="5" name="Picture 4" descr="ot-02.png"/>
+          <p:cNvPicPr>
+            <a:picLocks noChangeAspect="1"/>
+          </p:cNvPicPr>
+          <p:nvPr/>
+        </p:nvPicPr>
+        <p:blipFill>
+          <a:blip r:embed="rId1"/>
+          <a:stretch>
+            <a:fillRect/>
+          </a:stretch>
+        </p:blipFill>
+        <p:spPr>
+          <a:xfrm>
+            <a:off x="704088" y="2670048"/>
+            <a:ext cx="3779027" cy="4187952"/>
+          </a:xfrm>
+          <a:prstGeom prst="rect">
+            <a:avLst/>
+          </a:prstGeom>
+        </p:spPr>
+      </p:pic>
+    </p:spTree>
+  </p:cSld>
+  <p:clrMapOvr>
+    <a:masterClrMapping/>
+  </p:clrMapOvr>
+</p:sld>
+</file>
+
+<file path=ppt/slides/slide6.xml><?xml version="1.0" encoding="utf-8"?>
+<p:sld xmlns:a="http://schemas.openxmlformats.org/drawingml/2006/main" xmlns:r="http://schemas.openxmlformats.org/officeDocument/2006/relationships" xmlns:p="http://schemas.openxmlformats.org/presentationml/2006/main">
+  <p:cSld>
+    <p:spTree>
+      <p:nvGrpSpPr>
+        <p:cNvPr id="1" name=""/>
+        <p:cNvGrpSpPr/>
+        <p:nvPr/>
+      </p:nvGrpSpPr>
+      <p:grpSpPr/>
+      <p:sp>
+        <p:nvSpPr>
+          <p:cNvPr id="2" name="Title 1"/>
+          <p:cNvSpPr>
+            <a:spLocks noGrp="1"/>
+          </p:cNvSpPr>
+          <p:nvPr>
+            <p:ph type="title"/>
+          </p:nvPr>
+        </p:nvSpPr>
+        <p:spPr/>
+        <p:txBody>
+          <a:bodyPr/>
+          <a:lstStyle/>
+          <a:p>
+            <a:r>
+              <a:t>ICS and OT</a:t>
+            </a:r>
+          </a:p>
+        </p:txBody>
+      </p:sp>
+      <p:sp>
+        <p:nvSpPr>
+          <p:cNvPr id="3" name="Content Placeholder 2"/>
+          <p:cNvSpPr>
+            <a:spLocks noGrp="1"/>
+          </p:cNvSpPr>
+          <p:nvPr>
+            <p:ph idx="1"/>
+          </p:nvPr>
+        </p:nvSpPr>
+        <p:spPr/>
+        <p:txBody>
+          <a:bodyPr/>
+          <a:lstStyle/>
+          <a:p/>
+          <a:p/>
+          <a:p/>
+          <a:p/>
+          <a:p/>
+        </p:txBody>
+      </p:sp>
+      <p:sp>
+        <p:nvSpPr>
+          <p:cNvPr id="4" name="TextBox 3"/>
+          <p:cNvSpPr txBox="1"/>
+          <p:nvPr/>
+        </p:nvSpPr>
+        <p:spPr>
+          <a:xfrm>
+            <a:off x="704088" y="8065008"/>
+            <a:ext cx="8915400" cy="228600"/>
+          </a:xfrm>
+          <a:prstGeom prst="rect">
+            <a:avLst/>
+          </a:prstGeom>
+          <a:noFill/>
+        </p:spPr>
+        <p:txBody>
+          <a:bodyPr wrap="none">
+            <a:spAutoFit/>
+          </a:bodyPr>
+          <a:lstStyle/>
+          <a:p>
+            <a:r>
+              <a:rPr sz="800">
+                <a:solidFill>
+                  <a:srgbClr val="000000"/>
+                </a:solidFill>
+              </a:rPr>
+              <a:t>Copyright © 2021 by Elephant Scale, All Rights Reserved</a:t>
+            </a:r>
+            <a:endParaRPr sz="800">
+              <a:solidFill>
+                <a:srgbClr val="000000"/>
+              </a:solidFill>
+            </a:endParaRPr>
+          </a:p>
+        </p:txBody>
+      </p:sp>
+      <p:pic>
+        <p:nvPicPr>
+          <p:cNvPr id="5" name="Picture 4" descr="ot-03.png"/>
+          <p:cNvPicPr>
+            <a:picLocks noChangeAspect="1"/>
+          </p:cNvPicPr>
+          <p:nvPr/>
+        </p:nvPicPr>
+        <p:blipFill>
+          <a:blip r:embed="rId1"/>
+          <a:stretch>
+            <a:fillRect/>
+          </a:stretch>
+        </p:blipFill>
+        <p:spPr>
+          <a:xfrm>
+            <a:off x="704088" y="914400"/>
+            <a:ext cx="8572500" cy="2679700"/>
+          </a:xfrm>
+          <a:prstGeom prst="rect">
+            <a:avLst/>
+          </a:prstGeom>
+        </p:spPr>
+      </p:pic>
+    </p:spTree>
+  </p:cSld>
+  <p:clrMapOvr>
+    <a:masterClrMapping/>
+  </p:clrMapOvr>
+</p:sld>
+</file>
+
+<file path=ppt/slides/slide7.xml><?xml version="1.0" encoding="utf-8"?>
+<p:sld xmlns:a="http://schemas.openxmlformats.org/drawingml/2006/main" xmlns:r="http://schemas.openxmlformats.org/officeDocument/2006/relationships" xmlns:p="http://schemas.openxmlformats.org/presentationml/2006/main">
+  <p:cSld>
+    <p:spTree>
+      <p:nvGrpSpPr>
+        <p:cNvPr id="1" name=""/>
+        <p:cNvGrpSpPr/>
+        <p:nvPr/>
+      </p:nvGrpSpPr>
+      <p:grpSpPr/>
+      <p:sp>
+        <p:nvSpPr>
+          <p:cNvPr id="2" name="Title 1"/>
+          <p:cNvSpPr>
+            <a:spLocks noGrp="1"/>
+          </p:cNvSpPr>
+          <p:nvPr>
+            <p:ph type="title"/>
+          </p:nvPr>
+        </p:nvSpPr>
+        <p:spPr/>
+        <p:txBody>
+          <a:bodyPr/>
+          <a:lstStyle/>
+          <a:p>
+            <a:r>
+              <a:t>IoT and IIoT</a:t>
+            </a:r>
+          </a:p>
+        </p:txBody>
+      </p:sp>
+      <p:sp>
+        <p:nvSpPr>
+          <p:cNvPr id="3" name="Content Placeholder 2"/>
+          <p:cNvSpPr>
+            <a:spLocks noGrp="1"/>
+          </p:cNvSpPr>
+          <p:nvPr>
+            <p:ph idx="1"/>
+          </p:nvPr>
+        </p:nvSpPr>
+        <p:spPr/>
+        <p:txBody>
+          <a:bodyPr/>
+          <a:lstStyle/>
+          <a:p>
+            <a:r>
+              <a:t> Like OT, IoT utilizes devices such as actuators and sensors</a:t>
+            </a:r>
+          </a:p>
+          <a:p>
+            <a:r>
+              <a:t> IoT architectures are fairly streamlined compared with OT</a:t>
+            </a:r>
+          </a:p>
+          <a:p>
+            <a:r>
+              <a:t> When applied to industrial applications</a:t>
+            </a:r>
+          </a:p>
+          <a:p>
+            <a:pPr lvl="1"/>
+            <a:r>
+              <a:rPr b="1"/>
+              <a:t> Industrial Internet of Things (IIoT)</a:t>
+            </a:r>
+            <a:endParaRPr b="1"/>
+          </a:p>
+          <a:p/>
+          <a:p/>
+          <a:p/>
+          <a:p/>
+          <a:p/>
+          <a:p/>
+          <a:p/>
+          <a:p/>
+        </p:txBody>
+      </p:sp>
+      <p:sp>
+        <p:nvSpPr>
+          <p:cNvPr id="4" name="TextBox 3"/>
+          <p:cNvSpPr txBox="1"/>
+          <p:nvPr/>
+        </p:nvSpPr>
+        <p:spPr>
+          <a:xfrm>
+            <a:off x="704088" y="8065008"/>
+            <a:ext cx="8915400" cy="228600"/>
+          </a:xfrm>
+          <a:prstGeom prst="rect">
+            <a:avLst/>
+          </a:prstGeom>
+          <a:noFill/>
+        </p:spPr>
+        <p:txBody>
+          <a:bodyPr wrap="none">
+            <a:spAutoFit/>
+          </a:bodyPr>
+          <a:lstStyle/>
+          <a:p>
+            <a:r>
+              <a:rPr sz="800">
+                <a:solidFill>
+                  <a:srgbClr val="000000"/>
+                </a:solidFill>
+              </a:rPr>
+              <a:t>Copyright © 2021 by Elephant Scale, All Rights Reserved</a:t>
+            </a:r>
+            <a:endParaRPr sz="800">
+              <a:solidFill>
+                <a:srgbClr val="000000"/>
+              </a:solidFill>
+            </a:endParaRPr>
+          </a:p>
+        </p:txBody>
+      </p:sp>
+      <p:pic>
+        <p:nvPicPr>
+          <p:cNvPr id="5" name="Picture 4" descr="ot-04.png"/>
+          <p:cNvPicPr>
+            <a:picLocks noChangeAspect="1"/>
+          </p:cNvPicPr>
+          <p:nvPr/>
+        </p:nvPicPr>
+        <p:blipFill>
+          <a:blip r:embed="rId1"/>
+          <a:stretch>
+            <a:fillRect/>
+          </a:stretch>
+        </p:blipFill>
+        <p:spPr>
+          <a:xfrm>
+            <a:off x="704088" y="3547872"/>
+            <a:ext cx="1788727" cy="3310128"/>
+          </a:xfrm>
+          <a:prstGeom prst="rect">
+            <a:avLst/>
+          </a:prstGeom>
+        </p:spPr>
+      </p:pic>
+    </p:spTree>
+  </p:cSld>
+  <p:clrMapOvr>
+    <a:masterClrMapping/>
+  </p:clrMapOvr>
+</p:sld>
+</file>
+
+<file path=ppt/slides/slide8.xml><?xml version="1.0" encoding="utf-8"?>
+<p:sld xmlns:a="http://schemas.openxmlformats.org/drawingml/2006/main" xmlns:r="http://schemas.openxmlformats.org/officeDocument/2006/relationships" xmlns:p="http://schemas.openxmlformats.org/presentationml/2006/main">
+  <p:cSld>
+    <p:spTree>
+      <p:nvGrpSpPr>
+        <p:cNvPr id="1" name=""/>
+        <p:cNvGrpSpPr/>
+        <p:nvPr/>
+      </p:nvGrpSpPr>
+      <p:grpSpPr/>
+      <p:sp>
+        <p:nvSpPr>
+          <p:cNvPr id="2" name="Title 1"/>
+          <p:cNvSpPr>
+            <a:spLocks noGrp="1"/>
+          </p:cNvSpPr>
+          <p:nvPr>
+            <p:ph type="title"/>
+          </p:nvPr>
+        </p:nvSpPr>
+        <p:spPr/>
+        <p:txBody>
+          <a:bodyPr/>
+          <a:lstStyle/>
+          <a:p>
+            <a:r>
+              <a:t>Examples of IoT devices</a:t>
+            </a:r>
+          </a:p>
+        </p:txBody>
+      </p:sp>
+      <p:sp>
+        <p:nvSpPr>
+          <p:cNvPr id="3" name="Content Placeholder 2"/>
+          <p:cNvSpPr>
+            <a:spLocks noGrp="1"/>
+          </p:cNvSpPr>
+          <p:nvPr>
+            <p:ph idx="1"/>
+          </p:nvPr>
+        </p:nvSpPr>
+        <p:spPr/>
+        <p:txBody>
+          <a:bodyPr/>
+          <a:lstStyle/>
+          <a:p>
+            <a:r>
+              <a:t> Electricity/Gas/Water Smart Meters</a:t>
+            </a:r>
+          </a:p>
+          <a:p>
+            <a:r>
+              <a:t> Smart Home</a:t>
+            </a:r>
+          </a:p>
+          <a:p>
+            <a:r>
+              <a:t> Building Automation</a:t>
+            </a:r>
+          </a:p>
+          <a:p>
+            <a:r>
+              <a:t> Vehicle Head Unit</a:t>
+            </a:r>
+          </a:p>
+          <a:p>
+            <a:r>
+              <a:t> Security &amp; Fire Alarms</a:t>
+            </a:r>
+          </a:p>
+          <a:p>
+            <a:r>
+              <a:t> Inventory Management</a:t>
+            </a:r>
+          </a:p>
+          <a:p>
+            <a:r>
+              <a:t> CCTV</a:t>
+            </a:r>
+          </a:p>
+          <a:p>
+            <a:r>
+              <a:t> Healthcare Monitoring</a:t>
+            </a:r>
+          </a:p>
+          <a:p>
+            <a:r>
+              <a:t> Assisted Living Monitoring</a:t>
+            </a:r>
+          </a:p>
+        </p:txBody>
+      </p:sp>
+      <p:sp>
+        <p:nvSpPr>
+          <p:cNvPr id="4" name="TextBox 3"/>
+          <p:cNvSpPr txBox="1"/>
+          <p:nvPr/>
+        </p:nvSpPr>
+        <p:spPr>
+          <a:xfrm>
+            <a:off x="704088" y="8065008"/>
+            <a:ext cx="8915400" cy="228600"/>
+          </a:xfrm>
+          <a:prstGeom prst="rect">
+            <a:avLst/>
+          </a:prstGeom>
+          <a:noFill/>
+        </p:spPr>
+        <p:txBody>
+          <a:bodyPr wrap="none">
+            <a:spAutoFit/>
+          </a:bodyPr>
+          <a:lstStyle/>
+          <a:p>
+            <a:r>
+              <a:rPr sz="800">
+                <a:solidFill>
+                  <a:srgbClr val="000000"/>
+                </a:solidFill>
+              </a:rPr>
+              <a:t>Copyright © 2021 by Elephant Scale, All Rights Reserved</a:t>
+            </a:r>
+            <a:endParaRPr sz="800">
+              <a:solidFill>
+                <a:srgbClr val="000000"/>
+              </a:solidFill>
+            </a:endParaRPr>
+          </a:p>
+        </p:txBody>
+      </p:sp>
     </p:spTree>
   </p:cSld>
   <p:clrMapOvr>
@@ -2852,13 +4134,8 @@
           <a:headEnd type="none" w="med" len="med"/>
           <a:tailEnd type="none" w="med" len="med"/>
         </a:ln>
-        <a:effectLst/>
       </a:spPr>
-      <a:bodyPr vert="horz" wrap="square" lIns="91440" tIns="45720" rIns="91440" bIns="45720" numCol="1" anchor="t" anchorCtr="0" compatLnSpc="1">
-        <a:prstTxWarp prst="textNoShape">
-          <a:avLst/>
-        </a:prstTxWarp>
-      </a:bodyPr>
+      <a:bodyPr vert="horz" wrap="square" lIns="91440" tIns="45720" rIns="91440" bIns="45720" numCol="1" anchor="t" anchorCtr="0" compatLnSpc="1"/>
       <a:lstStyle>
         <a:defPPr marL="0" marR="0" indent="0" algn="ctr" defTabSz="914400" rtl="0" eaLnBrk="1" fontAlgn="base" latinLnBrk="0" hangingPunct="1">
           <a:lnSpc>
@@ -2874,7 +4151,6 @@
           <a:buSzTx/>
           <a:buFontTx/>
           <a:buNone/>
-          <a:tabLst/>
           <a:defRPr kumimoji="0" lang="en-US" sz="1000" b="0" i="0" u="none" strike="noStrike" cap="none" normalizeH="0" baseline="0">
             <a:ln>
               <a:noFill/>
@@ -2883,7 +4159,7 @@
               <a:schemeClr val="tx1"/>
             </a:solidFill>
             <a:effectLst/>
-            <a:latin typeface="Garamond" pitchFamily="-110" charset="0"/>
+            <a:latin typeface="Garamond" pitchFamily="18" charset="0"/>
           </a:defRPr>
         </a:defPPr>
       </a:lstStyle>
@@ -2914,13 +4190,8 @@
           <a:headEnd type="none" w="med" len="med"/>
           <a:tailEnd type="none" w="med" len="med"/>
         </a:ln>
-        <a:effectLst/>
       </a:spPr>
-      <a:bodyPr vert="horz" wrap="square" lIns="91440" tIns="45720" rIns="91440" bIns="45720" numCol="1" anchor="t" anchorCtr="0" compatLnSpc="1">
-        <a:prstTxWarp prst="textNoShape">
-          <a:avLst/>
-        </a:prstTxWarp>
-      </a:bodyPr>
+      <a:bodyPr vert="horz" wrap="square" lIns="91440" tIns="45720" rIns="91440" bIns="45720" numCol="1" anchor="t" anchorCtr="0" compatLnSpc="1"/>
       <a:lstStyle>
         <a:defPPr marL="0" marR="0" indent="0" algn="ctr" defTabSz="914400" rtl="0" eaLnBrk="1" fontAlgn="base" latinLnBrk="0" hangingPunct="1">
           <a:lnSpc>
@@ -2936,7 +4207,6 @@
           <a:buSzTx/>
           <a:buFontTx/>
           <a:buNone/>
-          <a:tabLst/>
           <a:defRPr kumimoji="0" lang="en-US" sz="1000" b="0" i="0" u="none" strike="noStrike" cap="none" normalizeH="0" baseline="0">
             <a:ln>
               <a:noFill/>
@@ -2945,7 +4215,7 @@
               <a:schemeClr val="tx1"/>
             </a:solidFill>
             <a:effectLst/>
-            <a:latin typeface="Garamond" pitchFamily="-110" charset="0"/>
+            <a:latin typeface="Garamond" pitchFamily="18" charset="0"/>
           </a:defRPr>
         </a:defPPr>
       </a:lstStyle>
@@ -3240,6 +4510,11 @@
       <a:clrMap bg1="dk2" tx1="lt1" bg2="dk1" tx2="lt2" accent1="accent1" accent2="accent2" accent3="accent3" accent4="accent4" accent5="accent5" accent6="accent6" hlink="hlink" folHlink="folHlink"/>
     </a:extraClrScheme>
   </a:extraClrSchemeLst>
+  <a:extLst>
+    <a:ext uri="{05A4C25C-085E-4340-85A3-A5531E510DB2}">
+      <thm15:themeFamily xmlns:thm15="http://schemas.microsoft.com/office/thememl/2012/main" name="Office Theme" id="{62F939B6-93AF-4DB8-9C6B-D6C7DFDC589F}" vid="{4A3C46E8-61CC-4603-A589-7422A47A8E4A}"/>
+    </a:ext>
+  </a:extLst>
 </a:theme>
 </file>
 
@@ -3557,7 +4832,11 @@
       </a:style>
     </a:lnDef>
   </a:objectDefaults>
-  <a:extraClrSchemeLst/>
+  <a:extLst>
+    <a:ext uri="{05A4C25C-085E-4340-85A3-A5531E510DB2}">
+      <thm15:themeFamily xmlns:thm15="http://schemas.microsoft.com/office/thememl/2012/main" name="Office Theme" id="{62F939B6-93AF-4DB8-9C6B-D6C7DFDC589F}" vid="{4A3C46E8-61CC-4603-A589-7422A47A8E4A}"/>
+    </a:ext>
+  </a:extLst>
 </a:theme>
 </file>
 
@@ -3875,6 +5154,10 @@
       </a:style>
     </a:lnDef>
   </a:objectDefaults>
-  <a:extraClrSchemeLst/>
+  <a:extLst>
+    <a:ext uri="{05A4C25C-085E-4340-85A3-A5531E510DB2}">
+      <thm15:themeFamily xmlns:thm15="http://schemas.microsoft.com/office/thememl/2012/main" name="Office Theme" id="{62F939B6-93AF-4DB8-9C6B-D6C7DFDC589F}" vid="{4A3C46E8-61CC-4603-A589-7422A47A8E4A}"/>
+    </a:ext>
+  </a:extLst>
 </a:theme>
 </file>